--- a/05.pptx
+++ b/05.pptx
@@ -211,7 +211,7 @@
           <a:p>
             <a:fld id="{AA93C23F-80D8-41F7-A602-5BAA4D96D6F7}" type="datetimeFigureOut">
               <a:rPr lang="ko-KR" altLang="en-US" smtClean="0"/>
-              <a:t>2019-12-21</a:t>
+              <a:t>2025-03-15</a:t>
             </a:fld>
             <a:endParaRPr lang="ko-KR" altLang="en-US"/>
           </a:p>
@@ -1045,7 +1045,7 @@
           <a:p>
             <a:fld id="{AA93C23F-80D8-41F7-A602-5BAA4D96D6F7}" type="datetimeFigureOut">
               <a:rPr lang="ko-KR" altLang="en-US" smtClean="0"/>
-              <a:t>2019-12-21</a:t>
+              <a:t>2025-03-15</a:t>
             </a:fld>
             <a:endParaRPr lang="ko-KR" altLang="en-US"/>
           </a:p>
@@ -1223,7 +1223,7 @@
           <a:p>
             <a:fld id="{AA93C23F-80D8-41F7-A602-5BAA4D96D6F7}" type="datetimeFigureOut">
               <a:rPr lang="ko-KR" altLang="en-US" smtClean="0"/>
-              <a:t>2019-12-21</a:t>
+              <a:t>2025-03-15</a:t>
             </a:fld>
             <a:endParaRPr lang="ko-KR" altLang="en-US"/>
           </a:p>
@@ -1418,7 +1418,7 @@
                 <a:tabLst/>
                 <a:defRPr/>
               </a:pPr>
-              <a:t>2019-12-21</a:t>
+              <a:t>2025-03-15</a:t>
             </a:fld>
             <a:endParaRPr kumimoji="0" lang="ko-KR" altLang="en-US" sz="1200" b="0" i="0" u="none" strike="noStrike" kern="1200" cap="none" spc="0" normalizeH="0" baseline="0" noProof="0">
               <a:ln>
@@ -1933,7 +1933,7 @@
                 <a:tabLst/>
                 <a:defRPr/>
               </a:pPr>
-              <a:t>2019-12-21</a:t>
+              <a:t>2025-03-15</a:t>
             </a:fld>
             <a:endParaRPr kumimoji="0" lang="ko-KR" altLang="en-US" sz="1200" b="0" i="0" u="none" strike="noStrike" kern="1200" cap="none" spc="0" normalizeH="0" baseline="0" noProof="0">
               <a:ln>
@@ -2338,7 +2338,7 @@
                 <a:tabLst/>
                 <a:defRPr/>
               </a:pPr>
-              <a:t>2019-12-21</a:t>
+              <a:t>2025-03-15</a:t>
             </a:fld>
             <a:endParaRPr kumimoji="0" lang="ko-KR" altLang="en-US" sz="1200" b="0" i="0" u="none" strike="noStrike" kern="1200" cap="none" spc="0" normalizeH="0" baseline="0" noProof="0">
               <a:ln>
@@ -2727,7 +2727,7 @@
                 <a:tabLst/>
                 <a:defRPr/>
               </a:pPr>
-              <a:t>2019-12-21</a:t>
+              <a:t>2025-03-15</a:t>
             </a:fld>
             <a:endParaRPr kumimoji="0" lang="ko-KR" altLang="en-US" sz="1200" b="0" i="0" u="none" strike="noStrike" kern="1200" cap="none" spc="0" normalizeH="0" baseline="0" noProof="0">
               <a:ln>
@@ -3251,7 +3251,7 @@
                 <a:tabLst/>
                 <a:defRPr/>
               </a:pPr>
-              <a:t>2019-12-21</a:t>
+              <a:t>2025-03-15</a:t>
             </a:fld>
             <a:endParaRPr kumimoji="0" lang="ko-KR" altLang="en-US" sz="1200" b="0" i="0" u="none" strike="noStrike" kern="1200" cap="none" spc="0" normalizeH="0" baseline="0" noProof="0">
               <a:ln>
@@ -3528,7 +3528,7 @@
                 <a:tabLst/>
                 <a:defRPr/>
               </a:pPr>
-              <a:t>2019-12-21</a:t>
+              <a:t>2025-03-15</a:t>
             </a:fld>
             <a:endParaRPr kumimoji="0" lang="ko-KR" altLang="en-US" sz="1200" b="0" i="0" u="none" strike="noStrike" kern="1200" cap="none" spc="0" normalizeH="0" baseline="0" noProof="0">
               <a:ln>
@@ -3783,7 +3783,7 @@
                 <a:tabLst/>
                 <a:defRPr/>
               </a:pPr>
-              <a:t>2019-12-21</a:t>
+              <a:t>2025-03-15</a:t>
             </a:fld>
             <a:endParaRPr kumimoji="0" lang="ko-KR" altLang="en-US" sz="1200" b="0" i="0" u="none" strike="noStrike" kern="1200" cap="none" spc="0" normalizeH="0" baseline="0" noProof="0">
               <a:ln>
@@ -4218,7 +4218,7 @@
                 <a:tabLst/>
                 <a:defRPr/>
               </a:pPr>
-              <a:t>2019-12-21</a:t>
+              <a:t>2025-03-15</a:t>
             </a:fld>
             <a:endParaRPr kumimoji="0" lang="ko-KR" altLang="en-US" sz="1200" b="0" i="0" u="none" strike="noStrike" kern="1200" cap="none" spc="0" normalizeH="0" baseline="0" noProof="0">
               <a:ln>
@@ -4513,7 +4513,7 @@
           <a:p>
             <a:fld id="{AA93C23F-80D8-41F7-A602-5BAA4D96D6F7}" type="datetimeFigureOut">
               <a:rPr lang="ko-KR" altLang="en-US" smtClean="0"/>
-              <a:t>2019-12-21</a:t>
+              <a:t>2025-03-15</a:t>
             </a:fld>
             <a:endParaRPr lang="ko-KR" altLang="en-US"/>
           </a:p>
@@ -4814,7 +4814,7 @@
                 <a:tabLst/>
                 <a:defRPr/>
               </a:pPr>
-              <a:t>2019-12-21</a:t>
+              <a:t>2025-03-15</a:t>
             </a:fld>
             <a:endParaRPr kumimoji="0" lang="ko-KR" altLang="en-US" sz="1200" b="0" i="0" u="none" strike="noStrike" kern="1200" cap="none" spc="0" normalizeH="0" baseline="0" noProof="0">
               <a:ln>
@@ -5142,7 +5142,7 @@
                 <a:tabLst/>
                 <a:defRPr/>
               </a:pPr>
-              <a:t>2019-12-21</a:t>
+              <a:t>2025-03-15</a:t>
             </a:fld>
             <a:endParaRPr kumimoji="0" lang="ko-KR" altLang="en-US" sz="1200" b="0" i="0" u="none" strike="noStrike" kern="1200" cap="none" spc="0" normalizeH="0" baseline="0" noProof="0">
               <a:ln>
@@ -5480,7 +5480,7 @@
                 <a:tabLst/>
                 <a:defRPr/>
               </a:pPr>
-              <a:t>2019-12-21</a:t>
+              <a:t>2025-03-15</a:t>
             </a:fld>
             <a:endParaRPr kumimoji="0" lang="ko-KR" altLang="en-US" sz="1200" b="0" i="0" u="none" strike="noStrike" kern="1200" cap="none" spc="0" normalizeH="0" baseline="0" noProof="0">
               <a:ln>
@@ -5836,7 +5836,7 @@
           <a:p>
             <a:fld id="{AA93C23F-80D8-41F7-A602-5BAA4D96D6F7}" type="datetimeFigureOut">
               <a:rPr lang="ko-KR" altLang="en-US" smtClean="0"/>
-              <a:t>2019-12-21</a:t>
+              <a:t>2025-03-15</a:t>
             </a:fld>
             <a:endParaRPr lang="ko-KR" altLang="en-US"/>
           </a:p>
@@ -6065,7 +6065,7 @@
           <a:p>
             <a:fld id="{AA93C23F-80D8-41F7-A602-5BAA4D96D6F7}" type="datetimeFigureOut">
               <a:rPr lang="ko-KR" altLang="en-US" smtClean="0"/>
-              <a:t>2019-12-21</a:t>
+              <a:t>2025-03-15</a:t>
             </a:fld>
             <a:endParaRPr lang="ko-KR" altLang="en-US"/>
           </a:p>
@@ -6429,7 +6429,7 @@
           <a:p>
             <a:fld id="{AA93C23F-80D8-41F7-A602-5BAA4D96D6F7}" type="datetimeFigureOut">
               <a:rPr lang="ko-KR" altLang="en-US" smtClean="0"/>
-              <a:t>2019-12-21</a:t>
+              <a:t>2025-03-15</a:t>
             </a:fld>
             <a:endParaRPr lang="ko-KR" altLang="en-US"/>
           </a:p>
@@ -6551,7 +6551,7 @@
           <a:p>
             <a:fld id="{AA93C23F-80D8-41F7-A602-5BAA4D96D6F7}" type="datetimeFigureOut">
               <a:rPr lang="ko-KR" altLang="en-US" smtClean="0"/>
-              <a:t>2019-12-21</a:t>
+              <a:t>2025-03-15</a:t>
             </a:fld>
             <a:endParaRPr lang="ko-KR" altLang="en-US"/>
           </a:p>
@@ -6646,7 +6646,7 @@
           <a:p>
             <a:fld id="{AA93C23F-80D8-41F7-A602-5BAA4D96D6F7}" type="datetimeFigureOut">
               <a:rPr lang="ko-KR" altLang="en-US" smtClean="0"/>
-              <a:t>2019-12-21</a:t>
+              <a:t>2025-03-15</a:t>
             </a:fld>
             <a:endParaRPr lang="ko-KR" altLang="en-US"/>
           </a:p>
@@ -6921,7 +6921,7 @@
           <a:p>
             <a:fld id="{AA93C23F-80D8-41F7-A602-5BAA4D96D6F7}" type="datetimeFigureOut">
               <a:rPr lang="ko-KR" altLang="en-US" smtClean="0"/>
-              <a:t>2019-12-21</a:t>
+              <a:t>2025-03-15</a:t>
             </a:fld>
             <a:endParaRPr lang="ko-KR" altLang="en-US"/>
           </a:p>
@@ -7176,7 +7176,7 @@
           <a:p>
             <a:fld id="{AA93C23F-80D8-41F7-A602-5BAA4D96D6F7}" type="datetimeFigureOut">
               <a:rPr lang="ko-KR" altLang="en-US" smtClean="0"/>
-              <a:t>2019-12-21</a:t>
+              <a:t>2025-03-15</a:t>
             </a:fld>
             <a:endParaRPr lang="ko-KR" altLang="en-US"/>
           </a:p>
@@ -7387,7 +7387,7 @@
           <a:p>
             <a:fld id="{AA93C23F-80D8-41F7-A602-5BAA4D96D6F7}" type="datetimeFigureOut">
               <a:rPr lang="ko-KR" altLang="en-US" smtClean="0"/>
-              <a:t>2019-12-21</a:t>
+              <a:t>2025-03-15</a:t>
             </a:fld>
             <a:endParaRPr lang="ko-KR" altLang="en-US"/>
           </a:p>
@@ -8081,7 +8081,7 @@
                 <a:tabLst/>
                 <a:defRPr/>
               </a:pPr>
-              <a:t>2019-12-21</a:t>
+              <a:t>2025-03-15</a:t>
             </a:fld>
             <a:endParaRPr kumimoji="0" lang="ko-KR" altLang="en-US" sz="1200" b="0" i="0" u="none" strike="noStrike" kern="1200" cap="none" spc="0" normalizeH="0" baseline="0" noProof="0">
               <a:ln>
@@ -9233,6 +9233,136 @@
           </a:fontRef>
         </p:style>
       </p:cxnSp>
+      <p:sp>
+        <p:nvSpPr>
+          <p:cNvPr id="10" name="TextBox 9">
+            <a:extLst>
+              <a:ext uri="{FF2B5EF4-FFF2-40B4-BE49-F238E27FC236}">
+                <a16:creationId xmlns:a16="http://schemas.microsoft.com/office/drawing/2014/main" id="{7C256EFA-BF3C-4421-9A3A-E9E1DDB2562F}"/>
+              </a:ext>
+            </a:extLst>
+          </p:cNvPr>
+          <p:cNvSpPr txBox="1"/>
+          <p:nvPr/>
+        </p:nvSpPr>
+        <p:spPr>
+          <a:xfrm>
+            <a:off x="10870509" y="240020"/>
+            <a:ext cx="668773" cy="338554"/>
+          </a:xfrm>
+          <a:prstGeom prst="rect">
+            <a:avLst/>
+          </a:prstGeom>
+          <a:noFill/>
+        </p:spPr>
+        <p:txBody>
+          <a:bodyPr wrap="none" rtlCol="0">
+            <a:spAutoFit/>
+          </a:bodyPr>
+          <a:lstStyle>
+            <a:defPPr>
+              <a:defRPr lang="ko-KR"/>
+            </a:defPPr>
+            <a:lvl1pPr marL="0" algn="l" defTabSz="914400" rtl="0" eaLnBrk="1" latinLnBrk="1" hangingPunct="1">
+              <a:defRPr sz="1800" kern="1200">
+                <a:solidFill>
+                  <a:schemeClr val="tx1"/>
+                </a:solidFill>
+                <a:latin typeface="+mn-lt"/>
+                <a:ea typeface="+mn-ea"/>
+                <a:cs typeface="+mn-cs"/>
+              </a:defRPr>
+            </a:lvl1pPr>
+            <a:lvl2pPr marL="457200" algn="l" defTabSz="914400" rtl="0" eaLnBrk="1" latinLnBrk="1" hangingPunct="1">
+              <a:defRPr sz="1800" kern="1200">
+                <a:solidFill>
+                  <a:schemeClr val="tx1"/>
+                </a:solidFill>
+                <a:latin typeface="+mn-lt"/>
+                <a:ea typeface="+mn-ea"/>
+                <a:cs typeface="+mn-cs"/>
+              </a:defRPr>
+            </a:lvl2pPr>
+            <a:lvl3pPr marL="914400" algn="l" defTabSz="914400" rtl="0" eaLnBrk="1" latinLnBrk="1" hangingPunct="1">
+              <a:defRPr sz="1800" kern="1200">
+                <a:solidFill>
+                  <a:schemeClr val="tx1"/>
+                </a:solidFill>
+                <a:latin typeface="+mn-lt"/>
+                <a:ea typeface="+mn-ea"/>
+                <a:cs typeface="+mn-cs"/>
+              </a:defRPr>
+            </a:lvl3pPr>
+            <a:lvl4pPr marL="1371600" algn="l" defTabSz="914400" rtl="0" eaLnBrk="1" latinLnBrk="1" hangingPunct="1">
+              <a:defRPr sz="1800" kern="1200">
+                <a:solidFill>
+                  <a:schemeClr val="tx1"/>
+                </a:solidFill>
+                <a:latin typeface="+mn-lt"/>
+                <a:ea typeface="+mn-ea"/>
+                <a:cs typeface="+mn-cs"/>
+              </a:defRPr>
+            </a:lvl4pPr>
+            <a:lvl5pPr marL="1828800" algn="l" defTabSz="914400" rtl="0" eaLnBrk="1" latinLnBrk="1" hangingPunct="1">
+              <a:defRPr sz="1800" kern="1200">
+                <a:solidFill>
+                  <a:schemeClr val="tx1"/>
+                </a:solidFill>
+                <a:latin typeface="+mn-lt"/>
+                <a:ea typeface="+mn-ea"/>
+                <a:cs typeface="+mn-cs"/>
+              </a:defRPr>
+            </a:lvl5pPr>
+            <a:lvl6pPr marL="2286000" algn="l" defTabSz="914400" rtl="0" eaLnBrk="1" latinLnBrk="1" hangingPunct="1">
+              <a:defRPr sz="1800" kern="1200">
+                <a:solidFill>
+                  <a:schemeClr val="tx1"/>
+                </a:solidFill>
+                <a:latin typeface="+mn-lt"/>
+                <a:ea typeface="+mn-ea"/>
+                <a:cs typeface="+mn-cs"/>
+              </a:defRPr>
+            </a:lvl6pPr>
+            <a:lvl7pPr marL="2743200" algn="l" defTabSz="914400" rtl="0" eaLnBrk="1" latinLnBrk="1" hangingPunct="1">
+              <a:defRPr sz="1800" kern="1200">
+                <a:solidFill>
+                  <a:schemeClr val="tx1"/>
+                </a:solidFill>
+                <a:latin typeface="+mn-lt"/>
+                <a:ea typeface="+mn-ea"/>
+                <a:cs typeface="+mn-cs"/>
+              </a:defRPr>
+            </a:lvl7pPr>
+            <a:lvl8pPr marL="3200400" algn="l" defTabSz="914400" rtl="0" eaLnBrk="1" latinLnBrk="1" hangingPunct="1">
+              <a:defRPr sz="1800" kern="1200">
+                <a:solidFill>
+                  <a:schemeClr val="tx1"/>
+                </a:solidFill>
+                <a:latin typeface="+mn-lt"/>
+                <a:ea typeface="+mn-ea"/>
+                <a:cs typeface="+mn-cs"/>
+              </a:defRPr>
+            </a:lvl8pPr>
+            <a:lvl9pPr marL="3657600" algn="l" defTabSz="914400" rtl="0" eaLnBrk="1" latinLnBrk="1" hangingPunct="1">
+              <a:defRPr sz="1800" kern="1200">
+                <a:solidFill>
+                  <a:schemeClr val="tx1"/>
+                </a:solidFill>
+                <a:latin typeface="+mn-lt"/>
+                <a:ea typeface="+mn-ea"/>
+                <a:cs typeface="+mn-cs"/>
+              </a:defRPr>
+            </a:lvl9pPr>
+          </a:lstStyle>
+          <a:p>
+            <a:r>
+              <a:rPr lang="en-US" altLang="ko-KR" sz="1600" b="1" dirty="0"/>
+              <a:t>p198</a:t>
+            </a:r>
+            <a:endParaRPr lang="ko-KR" altLang="en-US" sz="1600" b="1" dirty="0"/>
+          </a:p>
+        </p:txBody>
+      </p:sp>
     </p:spTree>
     <p:extLst>
       <p:ext uri="{BB962C8B-B14F-4D97-AF65-F5344CB8AC3E}">
@@ -9752,6 +9882,136 @@
           </a:p>
         </p:txBody>
       </p:sp>
+      <p:sp>
+        <p:nvSpPr>
+          <p:cNvPr id="15" name="TextBox 14">
+            <a:extLst>
+              <a:ext uri="{FF2B5EF4-FFF2-40B4-BE49-F238E27FC236}">
+                <a16:creationId xmlns:a16="http://schemas.microsoft.com/office/drawing/2014/main" id="{A4C9ED79-8E0A-40AC-9B38-B8C6C67D5E19}"/>
+              </a:ext>
+            </a:extLst>
+          </p:cNvPr>
+          <p:cNvSpPr txBox="1"/>
+          <p:nvPr/>
+        </p:nvSpPr>
+        <p:spPr>
+          <a:xfrm>
+            <a:off x="10870509" y="240020"/>
+            <a:ext cx="668773" cy="338554"/>
+          </a:xfrm>
+          <a:prstGeom prst="rect">
+            <a:avLst/>
+          </a:prstGeom>
+          <a:noFill/>
+        </p:spPr>
+        <p:txBody>
+          <a:bodyPr wrap="none" rtlCol="0">
+            <a:spAutoFit/>
+          </a:bodyPr>
+          <a:lstStyle>
+            <a:defPPr>
+              <a:defRPr lang="ko-KR"/>
+            </a:defPPr>
+            <a:lvl1pPr marL="0" algn="l" defTabSz="914400" rtl="0" eaLnBrk="1" latinLnBrk="1" hangingPunct="1">
+              <a:defRPr sz="1800" kern="1200">
+                <a:solidFill>
+                  <a:schemeClr val="tx1"/>
+                </a:solidFill>
+                <a:latin typeface="+mn-lt"/>
+                <a:ea typeface="+mn-ea"/>
+                <a:cs typeface="+mn-cs"/>
+              </a:defRPr>
+            </a:lvl1pPr>
+            <a:lvl2pPr marL="457200" algn="l" defTabSz="914400" rtl="0" eaLnBrk="1" latinLnBrk="1" hangingPunct="1">
+              <a:defRPr sz="1800" kern="1200">
+                <a:solidFill>
+                  <a:schemeClr val="tx1"/>
+                </a:solidFill>
+                <a:latin typeface="+mn-lt"/>
+                <a:ea typeface="+mn-ea"/>
+                <a:cs typeface="+mn-cs"/>
+              </a:defRPr>
+            </a:lvl2pPr>
+            <a:lvl3pPr marL="914400" algn="l" defTabSz="914400" rtl="0" eaLnBrk="1" latinLnBrk="1" hangingPunct="1">
+              <a:defRPr sz="1800" kern="1200">
+                <a:solidFill>
+                  <a:schemeClr val="tx1"/>
+                </a:solidFill>
+                <a:latin typeface="+mn-lt"/>
+                <a:ea typeface="+mn-ea"/>
+                <a:cs typeface="+mn-cs"/>
+              </a:defRPr>
+            </a:lvl3pPr>
+            <a:lvl4pPr marL="1371600" algn="l" defTabSz="914400" rtl="0" eaLnBrk="1" latinLnBrk="1" hangingPunct="1">
+              <a:defRPr sz="1800" kern="1200">
+                <a:solidFill>
+                  <a:schemeClr val="tx1"/>
+                </a:solidFill>
+                <a:latin typeface="+mn-lt"/>
+                <a:ea typeface="+mn-ea"/>
+                <a:cs typeface="+mn-cs"/>
+              </a:defRPr>
+            </a:lvl4pPr>
+            <a:lvl5pPr marL="1828800" algn="l" defTabSz="914400" rtl="0" eaLnBrk="1" latinLnBrk="1" hangingPunct="1">
+              <a:defRPr sz="1800" kern="1200">
+                <a:solidFill>
+                  <a:schemeClr val="tx1"/>
+                </a:solidFill>
+                <a:latin typeface="+mn-lt"/>
+                <a:ea typeface="+mn-ea"/>
+                <a:cs typeface="+mn-cs"/>
+              </a:defRPr>
+            </a:lvl5pPr>
+            <a:lvl6pPr marL="2286000" algn="l" defTabSz="914400" rtl="0" eaLnBrk="1" latinLnBrk="1" hangingPunct="1">
+              <a:defRPr sz="1800" kern="1200">
+                <a:solidFill>
+                  <a:schemeClr val="tx1"/>
+                </a:solidFill>
+                <a:latin typeface="+mn-lt"/>
+                <a:ea typeface="+mn-ea"/>
+                <a:cs typeface="+mn-cs"/>
+              </a:defRPr>
+            </a:lvl6pPr>
+            <a:lvl7pPr marL="2743200" algn="l" defTabSz="914400" rtl="0" eaLnBrk="1" latinLnBrk="1" hangingPunct="1">
+              <a:defRPr sz="1800" kern="1200">
+                <a:solidFill>
+                  <a:schemeClr val="tx1"/>
+                </a:solidFill>
+                <a:latin typeface="+mn-lt"/>
+                <a:ea typeface="+mn-ea"/>
+                <a:cs typeface="+mn-cs"/>
+              </a:defRPr>
+            </a:lvl7pPr>
+            <a:lvl8pPr marL="3200400" algn="l" defTabSz="914400" rtl="0" eaLnBrk="1" latinLnBrk="1" hangingPunct="1">
+              <a:defRPr sz="1800" kern="1200">
+                <a:solidFill>
+                  <a:schemeClr val="tx1"/>
+                </a:solidFill>
+                <a:latin typeface="+mn-lt"/>
+                <a:ea typeface="+mn-ea"/>
+                <a:cs typeface="+mn-cs"/>
+              </a:defRPr>
+            </a:lvl8pPr>
+            <a:lvl9pPr marL="3657600" algn="l" defTabSz="914400" rtl="0" eaLnBrk="1" latinLnBrk="1" hangingPunct="1">
+              <a:defRPr sz="1800" kern="1200">
+                <a:solidFill>
+                  <a:schemeClr val="tx1"/>
+                </a:solidFill>
+                <a:latin typeface="+mn-lt"/>
+                <a:ea typeface="+mn-ea"/>
+                <a:cs typeface="+mn-cs"/>
+              </a:defRPr>
+            </a:lvl9pPr>
+          </a:lstStyle>
+          <a:p>
+            <a:r>
+              <a:rPr lang="en-US" altLang="ko-KR" sz="1600" b="1" dirty="0"/>
+              <a:t>p200</a:t>
+            </a:r>
+            <a:endParaRPr lang="ko-KR" altLang="en-US" sz="1600" b="1" dirty="0"/>
+          </a:p>
+        </p:txBody>
+      </p:sp>
     </p:spTree>
     <p:extLst>
       <p:ext uri="{BB962C8B-B14F-4D97-AF65-F5344CB8AC3E}">
@@ -9959,6 +10219,136 @@
           </a:prstGeom>
         </p:spPr>
       </p:pic>
+      <p:sp>
+        <p:nvSpPr>
+          <p:cNvPr id="9" name="TextBox 8">
+            <a:extLst>
+              <a:ext uri="{FF2B5EF4-FFF2-40B4-BE49-F238E27FC236}">
+                <a16:creationId xmlns:a16="http://schemas.microsoft.com/office/drawing/2014/main" id="{BC969B10-4CA2-4C80-93C4-825911D57B3F}"/>
+              </a:ext>
+            </a:extLst>
+          </p:cNvPr>
+          <p:cNvSpPr txBox="1"/>
+          <p:nvPr/>
+        </p:nvSpPr>
+        <p:spPr>
+          <a:xfrm>
+            <a:off x="10870509" y="240020"/>
+            <a:ext cx="667170" cy="338554"/>
+          </a:xfrm>
+          <a:prstGeom prst="rect">
+            <a:avLst/>
+          </a:prstGeom>
+          <a:noFill/>
+        </p:spPr>
+        <p:txBody>
+          <a:bodyPr wrap="none" rtlCol="0">
+            <a:spAutoFit/>
+          </a:bodyPr>
+          <a:lstStyle>
+            <a:defPPr>
+              <a:defRPr lang="ko-KR"/>
+            </a:defPPr>
+            <a:lvl1pPr marL="0" algn="l" defTabSz="914400" rtl="0" eaLnBrk="1" latinLnBrk="1" hangingPunct="1">
+              <a:defRPr sz="1800" kern="1200">
+                <a:solidFill>
+                  <a:schemeClr val="tx1"/>
+                </a:solidFill>
+                <a:latin typeface="+mn-lt"/>
+                <a:ea typeface="+mn-ea"/>
+                <a:cs typeface="+mn-cs"/>
+              </a:defRPr>
+            </a:lvl1pPr>
+            <a:lvl2pPr marL="457200" algn="l" defTabSz="914400" rtl="0" eaLnBrk="1" latinLnBrk="1" hangingPunct="1">
+              <a:defRPr sz="1800" kern="1200">
+                <a:solidFill>
+                  <a:schemeClr val="tx1"/>
+                </a:solidFill>
+                <a:latin typeface="+mn-lt"/>
+                <a:ea typeface="+mn-ea"/>
+                <a:cs typeface="+mn-cs"/>
+              </a:defRPr>
+            </a:lvl2pPr>
+            <a:lvl3pPr marL="914400" algn="l" defTabSz="914400" rtl="0" eaLnBrk="1" latinLnBrk="1" hangingPunct="1">
+              <a:defRPr sz="1800" kern="1200">
+                <a:solidFill>
+                  <a:schemeClr val="tx1"/>
+                </a:solidFill>
+                <a:latin typeface="+mn-lt"/>
+                <a:ea typeface="+mn-ea"/>
+                <a:cs typeface="+mn-cs"/>
+              </a:defRPr>
+            </a:lvl3pPr>
+            <a:lvl4pPr marL="1371600" algn="l" defTabSz="914400" rtl="0" eaLnBrk="1" latinLnBrk="1" hangingPunct="1">
+              <a:defRPr sz="1800" kern="1200">
+                <a:solidFill>
+                  <a:schemeClr val="tx1"/>
+                </a:solidFill>
+                <a:latin typeface="+mn-lt"/>
+                <a:ea typeface="+mn-ea"/>
+                <a:cs typeface="+mn-cs"/>
+              </a:defRPr>
+            </a:lvl4pPr>
+            <a:lvl5pPr marL="1828800" algn="l" defTabSz="914400" rtl="0" eaLnBrk="1" latinLnBrk="1" hangingPunct="1">
+              <a:defRPr sz="1800" kern="1200">
+                <a:solidFill>
+                  <a:schemeClr val="tx1"/>
+                </a:solidFill>
+                <a:latin typeface="+mn-lt"/>
+                <a:ea typeface="+mn-ea"/>
+                <a:cs typeface="+mn-cs"/>
+              </a:defRPr>
+            </a:lvl5pPr>
+            <a:lvl6pPr marL="2286000" algn="l" defTabSz="914400" rtl="0" eaLnBrk="1" latinLnBrk="1" hangingPunct="1">
+              <a:defRPr sz="1800" kern="1200">
+                <a:solidFill>
+                  <a:schemeClr val="tx1"/>
+                </a:solidFill>
+                <a:latin typeface="+mn-lt"/>
+                <a:ea typeface="+mn-ea"/>
+                <a:cs typeface="+mn-cs"/>
+              </a:defRPr>
+            </a:lvl6pPr>
+            <a:lvl7pPr marL="2743200" algn="l" defTabSz="914400" rtl="0" eaLnBrk="1" latinLnBrk="1" hangingPunct="1">
+              <a:defRPr sz="1800" kern="1200">
+                <a:solidFill>
+                  <a:schemeClr val="tx1"/>
+                </a:solidFill>
+                <a:latin typeface="+mn-lt"/>
+                <a:ea typeface="+mn-ea"/>
+                <a:cs typeface="+mn-cs"/>
+              </a:defRPr>
+            </a:lvl7pPr>
+            <a:lvl8pPr marL="3200400" algn="l" defTabSz="914400" rtl="0" eaLnBrk="1" latinLnBrk="1" hangingPunct="1">
+              <a:defRPr sz="1800" kern="1200">
+                <a:solidFill>
+                  <a:schemeClr val="tx1"/>
+                </a:solidFill>
+                <a:latin typeface="+mn-lt"/>
+                <a:ea typeface="+mn-ea"/>
+                <a:cs typeface="+mn-cs"/>
+              </a:defRPr>
+            </a:lvl8pPr>
+            <a:lvl9pPr marL="3657600" algn="l" defTabSz="914400" rtl="0" eaLnBrk="1" latinLnBrk="1" hangingPunct="1">
+              <a:defRPr sz="1800" kern="1200">
+                <a:solidFill>
+                  <a:schemeClr val="tx1"/>
+                </a:solidFill>
+                <a:latin typeface="+mn-lt"/>
+                <a:ea typeface="+mn-ea"/>
+                <a:cs typeface="+mn-cs"/>
+              </a:defRPr>
+            </a:lvl9pPr>
+          </a:lstStyle>
+          <a:p>
+            <a:r>
+              <a:rPr lang="en-US" altLang="ko-KR" sz="1600" b="1" dirty="0"/>
+              <a:t>P201</a:t>
+            </a:r>
+            <a:endParaRPr lang="ko-KR" altLang="en-US" sz="1600" b="1" dirty="0"/>
+          </a:p>
+        </p:txBody>
+      </p:sp>
     </p:spTree>
     <p:extLst>
       <p:ext uri="{BB962C8B-B14F-4D97-AF65-F5344CB8AC3E}">
@@ -10428,6 +10818,136 @@
                 <a:srgbClr val="C00000"/>
               </a:solidFill>
             </a:endParaRPr>
+          </a:p>
+        </p:txBody>
+      </p:sp>
+      <p:sp>
+        <p:nvSpPr>
+          <p:cNvPr id="9" name="TextBox 8">
+            <a:extLst>
+              <a:ext uri="{FF2B5EF4-FFF2-40B4-BE49-F238E27FC236}">
+                <a16:creationId xmlns:a16="http://schemas.microsoft.com/office/drawing/2014/main" id="{19E84822-5AE3-409C-AA13-C65EC06D0A64}"/>
+              </a:ext>
+            </a:extLst>
+          </p:cNvPr>
+          <p:cNvSpPr txBox="1"/>
+          <p:nvPr/>
+        </p:nvSpPr>
+        <p:spPr>
+          <a:xfrm>
+            <a:off x="10870509" y="240020"/>
+            <a:ext cx="667170" cy="338554"/>
+          </a:xfrm>
+          <a:prstGeom prst="rect">
+            <a:avLst/>
+          </a:prstGeom>
+          <a:noFill/>
+        </p:spPr>
+        <p:txBody>
+          <a:bodyPr wrap="none" rtlCol="0">
+            <a:spAutoFit/>
+          </a:bodyPr>
+          <a:lstStyle>
+            <a:defPPr>
+              <a:defRPr lang="ko-KR"/>
+            </a:defPPr>
+            <a:lvl1pPr marL="0" algn="l" defTabSz="914400" rtl="0" eaLnBrk="1" latinLnBrk="1" hangingPunct="1">
+              <a:defRPr sz="1800" kern="1200">
+                <a:solidFill>
+                  <a:schemeClr val="tx1"/>
+                </a:solidFill>
+                <a:latin typeface="+mn-lt"/>
+                <a:ea typeface="+mn-ea"/>
+                <a:cs typeface="+mn-cs"/>
+              </a:defRPr>
+            </a:lvl1pPr>
+            <a:lvl2pPr marL="457200" algn="l" defTabSz="914400" rtl="0" eaLnBrk="1" latinLnBrk="1" hangingPunct="1">
+              <a:defRPr sz="1800" kern="1200">
+                <a:solidFill>
+                  <a:schemeClr val="tx1"/>
+                </a:solidFill>
+                <a:latin typeface="+mn-lt"/>
+                <a:ea typeface="+mn-ea"/>
+                <a:cs typeface="+mn-cs"/>
+              </a:defRPr>
+            </a:lvl2pPr>
+            <a:lvl3pPr marL="914400" algn="l" defTabSz="914400" rtl="0" eaLnBrk="1" latinLnBrk="1" hangingPunct="1">
+              <a:defRPr sz="1800" kern="1200">
+                <a:solidFill>
+                  <a:schemeClr val="tx1"/>
+                </a:solidFill>
+                <a:latin typeface="+mn-lt"/>
+                <a:ea typeface="+mn-ea"/>
+                <a:cs typeface="+mn-cs"/>
+              </a:defRPr>
+            </a:lvl3pPr>
+            <a:lvl4pPr marL="1371600" algn="l" defTabSz="914400" rtl="0" eaLnBrk="1" latinLnBrk="1" hangingPunct="1">
+              <a:defRPr sz="1800" kern="1200">
+                <a:solidFill>
+                  <a:schemeClr val="tx1"/>
+                </a:solidFill>
+                <a:latin typeface="+mn-lt"/>
+                <a:ea typeface="+mn-ea"/>
+                <a:cs typeface="+mn-cs"/>
+              </a:defRPr>
+            </a:lvl4pPr>
+            <a:lvl5pPr marL="1828800" algn="l" defTabSz="914400" rtl="0" eaLnBrk="1" latinLnBrk="1" hangingPunct="1">
+              <a:defRPr sz="1800" kern="1200">
+                <a:solidFill>
+                  <a:schemeClr val="tx1"/>
+                </a:solidFill>
+                <a:latin typeface="+mn-lt"/>
+                <a:ea typeface="+mn-ea"/>
+                <a:cs typeface="+mn-cs"/>
+              </a:defRPr>
+            </a:lvl5pPr>
+            <a:lvl6pPr marL="2286000" algn="l" defTabSz="914400" rtl="0" eaLnBrk="1" latinLnBrk="1" hangingPunct="1">
+              <a:defRPr sz="1800" kern="1200">
+                <a:solidFill>
+                  <a:schemeClr val="tx1"/>
+                </a:solidFill>
+                <a:latin typeface="+mn-lt"/>
+                <a:ea typeface="+mn-ea"/>
+                <a:cs typeface="+mn-cs"/>
+              </a:defRPr>
+            </a:lvl6pPr>
+            <a:lvl7pPr marL="2743200" algn="l" defTabSz="914400" rtl="0" eaLnBrk="1" latinLnBrk="1" hangingPunct="1">
+              <a:defRPr sz="1800" kern="1200">
+                <a:solidFill>
+                  <a:schemeClr val="tx1"/>
+                </a:solidFill>
+                <a:latin typeface="+mn-lt"/>
+                <a:ea typeface="+mn-ea"/>
+                <a:cs typeface="+mn-cs"/>
+              </a:defRPr>
+            </a:lvl7pPr>
+            <a:lvl8pPr marL="3200400" algn="l" defTabSz="914400" rtl="0" eaLnBrk="1" latinLnBrk="1" hangingPunct="1">
+              <a:defRPr sz="1800" kern="1200">
+                <a:solidFill>
+                  <a:schemeClr val="tx1"/>
+                </a:solidFill>
+                <a:latin typeface="+mn-lt"/>
+                <a:ea typeface="+mn-ea"/>
+                <a:cs typeface="+mn-cs"/>
+              </a:defRPr>
+            </a:lvl8pPr>
+            <a:lvl9pPr marL="3657600" algn="l" defTabSz="914400" rtl="0" eaLnBrk="1" latinLnBrk="1" hangingPunct="1">
+              <a:defRPr sz="1800" kern="1200">
+                <a:solidFill>
+                  <a:schemeClr val="tx1"/>
+                </a:solidFill>
+                <a:latin typeface="+mn-lt"/>
+                <a:ea typeface="+mn-ea"/>
+                <a:cs typeface="+mn-cs"/>
+              </a:defRPr>
+            </a:lvl9pPr>
+          </a:lstStyle>
+          <a:p>
+            <a:r>
+              <a:rPr lang="en-US" altLang="ko-KR" sz="1600" b="1" dirty="0"/>
+              <a:t>P203</a:t>
+            </a:r>
+            <a:endParaRPr lang="ko-KR" altLang="en-US" sz="1600" b="1" dirty="0"/>
           </a:p>
         </p:txBody>
       </p:sp>
@@ -11846,6 +12366,136 @@
           </p:style>
         </p:cxnSp>
       </p:grpSp>
+      <p:sp>
+        <p:nvSpPr>
+          <p:cNvPr id="48" name="TextBox 47">
+            <a:extLst>
+              <a:ext uri="{FF2B5EF4-FFF2-40B4-BE49-F238E27FC236}">
+                <a16:creationId xmlns:a16="http://schemas.microsoft.com/office/drawing/2014/main" id="{ECA1363D-951D-4F39-8BF8-458FC5174B5E}"/>
+              </a:ext>
+            </a:extLst>
+          </p:cNvPr>
+          <p:cNvSpPr txBox="1"/>
+          <p:nvPr/>
+        </p:nvSpPr>
+        <p:spPr>
+          <a:xfrm>
+            <a:off x="10870509" y="240020"/>
+            <a:ext cx="667170" cy="338554"/>
+          </a:xfrm>
+          <a:prstGeom prst="rect">
+            <a:avLst/>
+          </a:prstGeom>
+          <a:noFill/>
+        </p:spPr>
+        <p:txBody>
+          <a:bodyPr wrap="none" rtlCol="0">
+            <a:spAutoFit/>
+          </a:bodyPr>
+          <a:lstStyle>
+            <a:defPPr>
+              <a:defRPr lang="ko-KR"/>
+            </a:defPPr>
+            <a:lvl1pPr marL="0" algn="l" defTabSz="914400" rtl="0" eaLnBrk="1" latinLnBrk="1" hangingPunct="1">
+              <a:defRPr sz="1800" kern="1200">
+                <a:solidFill>
+                  <a:schemeClr val="tx1"/>
+                </a:solidFill>
+                <a:latin typeface="+mn-lt"/>
+                <a:ea typeface="+mn-ea"/>
+                <a:cs typeface="+mn-cs"/>
+              </a:defRPr>
+            </a:lvl1pPr>
+            <a:lvl2pPr marL="457200" algn="l" defTabSz="914400" rtl="0" eaLnBrk="1" latinLnBrk="1" hangingPunct="1">
+              <a:defRPr sz="1800" kern="1200">
+                <a:solidFill>
+                  <a:schemeClr val="tx1"/>
+                </a:solidFill>
+                <a:latin typeface="+mn-lt"/>
+                <a:ea typeface="+mn-ea"/>
+                <a:cs typeface="+mn-cs"/>
+              </a:defRPr>
+            </a:lvl2pPr>
+            <a:lvl3pPr marL="914400" algn="l" defTabSz="914400" rtl="0" eaLnBrk="1" latinLnBrk="1" hangingPunct="1">
+              <a:defRPr sz="1800" kern="1200">
+                <a:solidFill>
+                  <a:schemeClr val="tx1"/>
+                </a:solidFill>
+                <a:latin typeface="+mn-lt"/>
+                <a:ea typeface="+mn-ea"/>
+                <a:cs typeface="+mn-cs"/>
+              </a:defRPr>
+            </a:lvl3pPr>
+            <a:lvl4pPr marL="1371600" algn="l" defTabSz="914400" rtl="0" eaLnBrk="1" latinLnBrk="1" hangingPunct="1">
+              <a:defRPr sz="1800" kern="1200">
+                <a:solidFill>
+                  <a:schemeClr val="tx1"/>
+                </a:solidFill>
+                <a:latin typeface="+mn-lt"/>
+                <a:ea typeface="+mn-ea"/>
+                <a:cs typeface="+mn-cs"/>
+              </a:defRPr>
+            </a:lvl4pPr>
+            <a:lvl5pPr marL="1828800" algn="l" defTabSz="914400" rtl="0" eaLnBrk="1" latinLnBrk="1" hangingPunct="1">
+              <a:defRPr sz="1800" kern="1200">
+                <a:solidFill>
+                  <a:schemeClr val="tx1"/>
+                </a:solidFill>
+                <a:latin typeface="+mn-lt"/>
+                <a:ea typeface="+mn-ea"/>
+                <a:cs typeface="+mn-cs"/>
+              </a:defRPr>
+            </a:lvl5pPr>
+            <a:lvl6pPr marL="2286000" algn="l" defTabSz="914400" rtl="0" eaLnBrk="1" latinLnBrk="1" hangingPunct="1">
+              <a:defRPr sz="1800" kern="1200">
+                <a:solidFill>
+                  <a:schemeClr val="tx1"/>
+                </a:solidFill>
+                <a:latin typeface="+mn-lt"/>
+                <a:ea typeface="+mn-ea"/>
+                <a:cs typeface="+mn-cs"/>
+              </a:defRPr>
+            </a:lvl6pPr>
+            <a:lvl7pPr marL="2743200" algn="l" defTabSz="914400" rtl="0" eaLnBrk="1" latinLnBrk="1" hangingPunct="1">
+              <a:defRPr sz="1800" kern="1200">
+                <a:solidFill>
+                  <a:schemeClr val="tx1"/>
+                </a:solidFill>
+                <a:latin typeface="+mn-lt"/>
+                <a:ea typeface="+mn-ea"/>
+                <a:cs typeface="+mn-cs"/>
+              </a:defRPr>
+            </a:lvl7pPr>
+            <a:lvl8pPr marL="3200400" algn="l" defTabSz="914400" rtl="0" eaLnBrk="1" latinLnBrk="1" hangingPunct="1">
+              <a:defRPr sz="1800" kern="1200">
+                <a:solidFill>
+                  <a:schemeClr val="tx1"/>
+                </a:solidFill>
+                <a:latin typeface="+mn-lt"/>
+                <a:ea typeface="+mn-ea"/>
+                <a:cs typeface="+mn-cs"/>
+              </a:defRPr>
+            </a:lvl8pPr>
+            <a:lvl9pPr marL="3657600" algn="l" defTabSz="914400" rtl="0" eaLnBrk="1" latinLnBrk="1" hangingPunct="1">
+              <a:defRPr sz="1800" kern="1200">
+                <a:solidFill>
+                  <a:schemeClr val="tx1"/>
+                </a:solidFill>
+                <a:latin typeface="+mn-lt"/>
+                <a:ea typeface="+mn-ea"/>
+                <a:cs typeface="+mn-cs"/>
+              </a:defRPr>
+            </a:lvl9pPr>
+          </a:lstStyle>
+          <a:p>
+            <a:r>
+              <a:rPr lang="en-US" altLang="ko-KR" sz="1600" b="1" dirty="0"/>
+              <a:t>P204</a:t>
+            </a:r>
+            <a:endParaRPr lang="ko-KR" altLang="en-US" sz="1600" b="1" dirty="0"/>
+          </a:p>
+        </p:txBody>
+      </p:sp>
     </p:spTree>
     <p:extLst>
       <p:ext uri="{BB962C8B-B14F-4D97-AF65-F5344CB8AC3E}">
@@ -12655,6 +13305,136 @@
             <a:endParaRPr lang="en-US" altLang="ko-KR" sz="1400" dirty="0">
               <a:latin typeface="+mn-ea"/>
             </a:endParaRPr>
+          </a:p>
+        </p:txBody>
+      </p:sp>
+      <p:sp>
+        <p:nvSpPr>
+          <p:cNvPr id="18" name="TextBox 17">
+            <a:extLst>
+              <a:ext uri="{FF2B5EF4-FFF2-40B4-BE49-F238E27FC236}">
+                <a16:creationId xmlns:a16="http://schemas.microsoft.com/office/drawing/2014/main" id="{72CA430F-68FB-492A-8D23-823B27F24B8F}"/>
+              </a:ext>
+            </a:extLst>
+          </p:cNvPr>
+          <p:cNvSpPr txBox="1"/>
+          <p:nvPr/>
+        </p:nvSpPr>
+        <p:spPr>
+          <a:xfrm>
+            <a:off x="10870509" y="240020"/>
+            <a:ext cx="667170" cy="338554"/>
+          </a:xfrm>
+          <a:prstGeom prst="rect">
+            <a:avLst/>
+          </a:prstGeom>
+          <a:noFill/>
+        </p:spPr>
+        <p:txBody>
+          <a:bodyPr wrap="none" rtlCol="0">
+            <a:spAutoFit/>
+          </a:bodyPr>
+          <a:lstStyle>
+            <a:defPPr>
+              <a:defRPr lang="ko-KR"/>
+            </a:defPPr>
+            <a:lvl1pPr marL="0" algn="l" defTabSz="914400" rtl="0" eaLnBrk="1" latinLnBrk="1" hangingPunct="1">
+              <a:defRPr sz="1800" kern="1200">
+                <a:solidFill>
+                  <a:schemeClr val="tx1"/>
+                </a:solidFill>
+                <a:latin typeface="+mn-lt"/>
+                <a:ea typeface="+mn-ea"/>
+                <a:cs typeface="+mn-cs"/>
+              </a:defRPr>
+            </a:lvl1pPr>
+            <a:lvl2pPr marL="457200" algn="l" defTabSz="914400" rtl="0" eaLnBrk="1" latinLnBrk="1" hangingPunct="1">
+              <a:defRPr sz="1800" kern="1200">
+                <a:solidFill>
+                  <a:schemeClr val="tx1"/>
+                </a:solidFill>
+                <a:latin typeface="+mn-lt"/>
+                <a:ea typeface="+mn-ea"/>
+                <a:cs typeface="+mn-cs"/>
+              </a:defRPr>
+            </a:lvl2pPr>
+            <a:lvl3pPr marL="914400" algn="l" defTabSz="914400" rtl="0" eaLnBrk="1" latinLnBrk="1" hangingPunct="1">
+              <a:defRPr sz="1800" kern="1200">
+                <a:solidFill>
+                  <a:schemeClr val="tx1"/>
+                </a:solidFill>
+                <a:latin typeface="+mn-lt"/>
+                <a:ea typeface="+mn-ea"/>
+                <a:cs typeface="+mn-cs"/>
+              </a:defRPr>
+            </a:lvl3pPr>
+            <a:lvl4pPr marL="1371600" algn="l" defTabSz="914400" rtl="0" eaLnBrk="1" latinLnBrk="1" hangingPunct="1">
+              <a:defRPr sz="1800" kern="1200">
+                <a:solidFill>
+                  <a:schemeClr val="tx1"/>
+                </a:solidFill>
+                <a:latin typeface="+mn-lt"/>
+                <a:ea typeface="+mn-ea"/>
+                <a:cs typeface="+mn-cs"/>
+              </a:defRPr>
+            </a:lvl4pPr>
+            <a:lvl5pPr marL="1828800" algn="l" defTabSz="914400" rtl="0" eaLnBrk="1" latinLnBrk="1" hangingPunct="1">
+              <a:defRPr sz="1800" kern="1200">
+                <a:solidFill>
+                  <a:schemeClr val="tx1"/>
+                </a:solidFill>
+                <a:latin typeface="+mn-lt"/>
+                <a:ea typeface="+mn-ea"/>
+                <a:cs typeface="+mn-cs"/>
+              </a:defRPr>
+            </a:lvl5pPr>
+            <a:lvl6pPr marL="2286000" algn="l" defTabSz="914400" rtl="0" eaLnBrk="1" latinLnBrk="1" hangingPunct="1">
+              <a:defRPr sz="1800" kern="1200">
+                <a:solidFill>
+                  <a:schemeClr val="tx1"/>
+                </a:solidFill>
+                <a:latin typeface="+mn-lt"/>
+                <a:ea typeface="+mn-ea"/>
+                <a:cs typeface="+mn-cs"/>
+              </a:defRPr>
+            </a:lvl6pPr>
+            <a:lvl7pPr marL="2743200" algn="l" defTabSz="914400" rtl="0" eaLnBrk="1" latinLnBrk="1" hangingPunct="1">
+              <a:defRPr sz="1800" kern="1200">
+                <a:solidFill>
+                  <a:schemeClr val="tx1"/>
+                </a:solidFill>
+                <a:latin typeface="+mn-lt"/>
+                <a:ea typeface="+mn-ea"/>
+                <a:cs typeface="+mn-cs"/>
+              </a:defRPr>
+            </a:lvl7pPr>
+            <a:lvl8pPr marL="3200400" algn="l" defTabSz="914400" rtl="0" eaLnBrk="1" latinLnBrk="1" hangingPunct="1">
+              <a:defRPr sz="1800" kern="1200">
+                <a:solidFill>
+                  <a:schemeClr val="tx1"/>
+                </a:solidFill>
+                <a:latin typeface="+mn-lt"/>
+                <a:ea typeface="+mn-ea"/>
+                <a:cs typeface="+mn-cs"/>
+              </a:defRPr>
+            </a:lvl8pPr>
+            <a:lvl9pPr marL="3657600" algn="l" defTabSz="914400" rtl="0" eaLnBrk="1" latinLnBrk="1" hangingPunct="1">
+              <a:defRPr sz="1800" kern="1200">
+                <a:solidFill>
+                  <a:schemeClr val="tx1"/>
+                </a:solidFill>
+                <a:latin typeface="+mn-lt"/>
+                <a:ea typeface="+mn-ea"/>
+                <a:cs typeface="+mn-cs"/>
+              </a:defRPr>
+            </a:lvl9pPr>
+          </a:lstStyle>
+          <a:p>
+            <a:r>
+              <a:rPr lang="en-US" altLang="ko-KR" sz="1600" b="1" dirty="0"/>
+              <a:t>P205</a:t>
+            </a:r>
+            <a:endParaRPr lang="ko-KR" altLang="en-US" sz="1600" b="1" dirty="0"/>
           </a:p>
         </p:txBody>
       </p:sp>
@@ -12836,6 +13616,136 @@
           </a:prstGeom>
         </p:spPr>
       </p:pic>
+      <p:sp>
+        <p:nvSpPr>
+          <p:cNvPr id="7" name="TextBox 6">
+            <a:extLst>
+              <a:ext uri="{FF2B5EF4-FFF2-40B4-BE49-F238E27FC236}">
+                <a16:creationId xmlns:a16="http://schemas.microsoft.com/office/drawing/2014/main" id="{8C6AD5FB-EB0D-4273-A6A7-F010BD33376B}"/>
+              </a:ext>
+            </a:extLst>
+          </p:cNvPr>
+          <p:cNvSpPr txBox="1"/>
+          <p:nvPr/>
+        </p:nvSpPr>
+        <p:spPr>
+          <a:xfrm>
+            <a:off x="10870509" y="240020"/>
+            <a:ext cx="667170" cy="338554"/>
+          </a:xfrm>
+          <a:prstGeom prst="rect">
+            <a:avLst/>
+          </a:prstGeom>
+          <a:noFill/>
+        </p:spPr>
+        <p:txBody>
+          <a:bodyPr wrap="none" rtlCol="0">
+            <a:spAutoFit/>
+          </a:bodyPr>
+          <a:lstStyle>
+            <a:defPPr>
+              <a:defRPr lang="ko-KR"/>
+            </a:defPPr>
+            <a:lvl1pPr marL="0" algn="l" defTabSz="914400" rtl="0" eaLnBrk="1" latinLnBrk="1" hangingPunct="1">
+              <a:defRPr sz="1800" kern="1200">
+                <a:solidFill>
+                  <a:schemeClr val="tx1"/>
+                </a:solidFill>
+                <a:latin typeface="+mn-lt"/>
+                <a:ea typeface="+mn-ea"/>
+                <a:cs typeface="+mn-cs"/>
+              </a:defRPr>
+            </a:lvl1pPr>
+            <a:lvl2pPr marL="457200" algn="l" defTabSz="914400" rtl="0" eaLnBrk="1" latinLnBrk="1" hangingPunct="1">
+              <a:defRPr sz="1800" kern="1200">
+                <a:solidFill>
+                  <a:schemeClr val="tx1"/>
+                </a:solidFill>
+                <a:latin typeface="+mn-lt"/>
+                <a:ea typeface="+mn-ea"/>
+                <a:cs typeface="+mn-cs"/>
+              </a:defRPr>
+            </a:lvl2pPr>
+            <a:lvl3pPr marL="914400" algn="l" defTabSz="914400" rtl="0" eaLnBrk="1" latinLnBrk="1" hangingPunct="1">
+              <a:defRPr sz="1800" kern="1200">
+                <a:solidFill>
+                  <a:schemeClr val="tx1"/>
+                </a:solidFill>
+                <a:latin typeface="+mn-lt"/>
+                <a:ea typeface="+mn-ea"/>
+                <a:cs typeface="+mn-cs"/>
+              </a:defRPr>
+            </a:lvl3pPr>
+            <a:lvl4pPr marL="1371600" algn="l" defTabSz="914400" rtl="0" eaLnBrk="1" latinLnBrk="1" hangingPunct="1">
+              <a:defRPr sz="1800" kern="1200">
+                <a:solidFill>
+                  <a:schemeClr val="tx1"/>
+                </a:solidFill>
+                <a:latin typeface="+mn-lt"/>
+                <a:ea typeface="+mn-ea"/>
+                <a:cs typeface="+mn-cs"/>
+              </a:defRPr>
+            </a:lvl4pPr>
+            <a:lvl5pPr marL="1828800" algn="l" defTabSz="914400" rtl="0" eaLnBrk="1" latinLnBrk="1" hangingPunct="1">
+              <a:defRPr sz="1800" kern="1200">
+                <a:solidFill>
+                  <a:schemeClr val="tx1"/>
+                </a:solidFill>
+                <a:latin typeface="+mn-lt"/>
+                <a:ea typeface="+mn-ea"/>
+                <a:cs typeface="+mn-cs"/>
+              </a:defRPr>
+            </a:lvl5pPr>
+            <a:lvl6pPr marL="2286000" algn="l" defTabSz="914400" rtl="0" eaLnBrk="1" latinLnBrk="1" hangingPunct="1">
+              <a:defRPr sz="1800" kern="1200">
+                <a:solidFill>
+                  <a:schemeClr val="tx1"/>
+                </a:solidFill>
+                <a:latin typeface="+mn-lt"/>
+                <a:ea typeface="+mn-ea"/>
+                <a:cs typeface="+mn-cs"/>
+              </a:defRPr>
+            </a:lvl6pPr>
+            <a:lvl7pPr marL="2743200" algn="l" defTabSz="914400" rtl="0" eaLnBrk="1" latinLnBrk="1" hangingPunct="1">
+              <a:defRPr sz="1800" kern="1200">
+                <a:solidFill>
+                  <a:schemeClr val="tx1"/>
+                </a:solidFill>
+                <a:latin typeface="+mn-lt"/>
+                <a:ea typeface="+mn-ea"/>
+                <a:cs typeface="+mn-cs"/>
+              </a:defRPr>
+            </a:lvl7pPr>
+            <a:lvl8pPr marL="3200400" algn="l" defTabSz="914400" rtl="0" eaLnBrk="1" latinLnBrk="1" hangingPunct="1">
+              <a:defRPr sz="1800" kern="1200">
+                <a:solidFill>
+                  <a:schemeClr val="tx1"/>
+                </a:solidFill>
+                <a:latin typeface="+mn-lt"/>
+                <a:ea typeface="+mn-ea"/>
+                <a:cs typeface="+mn-cs"/>
+              </a:defRPr>
+            </a:lvl8pPr>
+            <a:lvl9pPr marL="3657600" algn="l" defTabSz="914400" rtl="0" eaLnBrk="1" latinLnBrk="1" hangingPunct="1">
+              <a:defRPr sz="1800" kern="1200">
+                <a:solidFill>
+                  <a:schemeClr val="tx1"/>
+                </a:solidFill>
+                <a:latin typeface="+mn-lt"/>
+                <a:ea typeface="+mn-ea"/>
+                <a:cs typeface="+mn-cs"/>
+              </a:defRPr>
+            </a:lvl9pPr>
+          </a:lstStyle>
+          <a:p>
+            <a:r>
+              <a:rPr lang="en-US" altLang="ko-KR" sz="1600" b="1" dirty="0"/>
+              <a:t>P206</a:t>
+            </a:r>
+            <a:endParaRPr lang="ko-KR" altLang="en-US" sz="1600" b="1" dirty="0"/>
+          </a:p>
+        </p:txBody>
+      </p:sp>
     </p:spTree>
     <p:extLst>
       <p:ext uri="{BB962C8B-B14F-4D97-AF65-F5344CB8AC3E}">
@@ -13191,6 +14101,136 @@
             <a:endParaRPr lang="en-US" altLang="ko-KR" sz="1400" dirty="0">
               <a:latin typeface="+mn-ea"/>
             </a:endParaRPr>
+          </a:p>
+        </p:txBody>
+      </p:sp>
+      <p:sp>
+        <p:nvSpPr>
+          <p:cNvPr id="5" name="TextBox 4">
+            <a:extLst>
+              <a:ext uri="{FF2B5EF4-FFF2-40B4-BE49-F238E27FC236}">
+                <a16:creationId xmlns:a16="http://schemas.microsoft.com/office/drawing/2014/main" id="{03F1A0AB-02B6-4872-AEA5-5BDCC17182E4}"/>
+              </a:ext>
+            </a:extLst>
+          </p:cNvPr>
+          <p:cNvSpPr txBox="1"/>
+          <p:nvPr/>
+        </p:nvSpPr>
+        <p:spPr>
+          <a:xfrm>
+            <a:off x="10870509" y="240020"/>
+            <a:ext cx="667170" cy="338554"/>
+          </a:xfrm>
+          <a:prstGeom prst="rect">
+            <a:avLst/>
+          </a:prstGeom>
+          <a:noFill/>
+        </p:spPr>
+        <p:txBody>
+          <a:bodyPr wrap="none" rtlCol="0">
+            <a:spAutoFit/>
+          </a:bodyPr>
+          <a:lstStyle>
+            <a:defPPr>
+              <a:defRPr lang="ko-KR"/>
+            </a:defPPr>
+            <a:lvl1pPr marL="0" algn="l" defTabSz="914400" rtl="0" eaLnBrk="1" latinLnBrk="1" hangingPunct="1">
+              <a:defRPr sz="1800" kern="1200">
+                <a:solidFill>
+                  <a:schemeClr val="tx1"/>
+                </a:solidFill>
+                <a:latin typeface="+mn-lt"/>
+                <a:ea typeface="+mn-ea"/>
+                <a:cs typeface="+mn-cs"/>
+              </a:defRPr>
+            </a:lvl1pPr>
+            <a:lvl2pPr marL="457200" algn="l" defTabSz="914400" rtl="0" eaLnBrk="1" latinLnBrk="1" hangingPunct="1">
+              <a:defRPr sz="1800" kern="1200">
+                <a:solidFill>
+                  <a:schemeClr val="tx1"/>
+                </a:solidFill>
+                <a:latin typeface="+mn-lt"/>
+                <a:ea typeface="+mn-ea"/>
+                <a:cs typeface="+mn-cs"/>
+              </a:defRPr>
+            </a:lvl2pPr>
+            <a:lvl3pPr marL="914400" algn="l" defTabSz="914400" rtl="0" eaLnBrk="1" latinLnBrk="1" hangingPunct="1">
+              <a:defRPr sz="1800" kern="1200">
+                <a:solidFill>
+                  <a:schemeClr val="tx1"/>
+                </a:solidFill>
+                <a:latin typeface="+mn-lt"/>
+                <a:ea typeface="+mn-ea"/>
+                <a:cs typeface="+mn-cs"/>
+              </a:defRPr>
+            </a:lvl3pPr>
+            <a:lvl4pPr marL="1371600" algn="l" defTabSz="914400" rtl="0" eaLnBrk="1" latinLnBrk="1" hangingPunct="1">
+              <a:defRPr sz="1800" kern="1200">
+                <a:solidFill>
+                  <a:schemeClr val="tx1"/>
+                </a:solidFill>
+                <a:latin typeface="+mn-lt"/>
+                <a:ea typeface="+mn-ea"/>
+                <a:cs typeface="+mn-cs"/>
+              </a:defRPr>
+            </a:lvl4pPr>
+            <a:lvl5pPr marL="1828800" algn="l" defTabSz="914400" rtl="0" eaLnBrk="1" latinLnBrk="1" hangingPunct="1">
+              <a:defRPr sz="1800" kern="1200">
+                <a:solidFill>
+                  <a:schemeClr val="tx1"/>
+                </a:solidFill>
+                <a:latin typeface="+mn-lt"/>
+                <a:ea typeface="+mn-ea"/>
+                <a:cs typeface="+mn-cs"/>
+              </a:defRPr>
+            </a:lvl5pPr>
+            <a:lvl6pPr marL="2286000" algn="l" defTabSz="914400" rtl="0" eaLnBrk="1" latinLnBrk="1" hangingPunct="1">
+              <a:defRPr sz="1800" kern="1200">
+                <a:solidFill>
+                  <a:schemeClr val="tx1"/>
+                </a:solidFill>
+                <a:latin typeface="+mn-lt"/>
+                <a:ea typeface="+mn-ea"/>
+                <a:cs typeface="+mn-cs"/>
+              </a:defRPr>
+            </a:lvl6pPr>
+            <a:lvl7pPr marL="2743200" algn="l" defTabSz="914400" rtl="0" eaLnBrk="1" latinLnBrk="1" hangingPunct="1">
+              <a:defRPr sz="1800" kern="1200">
+                <a:solidFill>
+                  <a:schemeClr val="tx1"/>
+                </a:solidFill>
+                <a:latin typeface="+mn-lt"/>
+                <a:ea typeface="+mn-ea"/>
+                <a:cs typeface="+mn-cs"/>
+              </a:defRPr>
+            </a:lvl7pPr>
+            <a:lvl8pPr marL="3200400" algn="l" defTabSz="914400" rtl="0" eaLnBrk="1" latinLnBrk="1" hangingPunct="1">
+              <a:defRPr sz="1800" kern="1200">
+                <a:solidFill>
+                  <a:schemeClr val="tx1"/>
+                </a:solidFill>
+                <a:latin typeface="+mn-lt"/>
+                <a:ea typeface="+mn-ea"/>
+                <a:cs typeface="+mn-cs"/>
+              </a:defRPr>
+            </a:lvl8pPr>
+            <a:lvl9pPr marL="3657600" algn="l" defTabSz="914400" rtl="0" eaLnBrk="1" latinLnBrk="1" hangingPunct="1">
+              <a:defRPr sz="1800" kern="1200">
+                <a:solidFill>
+                  <a:schemeClr val="tx1"/>
+                </a:solidFill>
+                <a:latin typeface="+mn-lt"/>
+                <a:ea typeface="+mn-ea"/>
+                <a:cs typeface="+mn-cs"/>
+              </a:defRPr>
+            </a:lvl9pPr>
+          </a:lstStyle>
+          <a:p>
+            <a:r>
+              <a:rPr lang="en-US" altLang="ko-KR" sz="1600" b="1" dirty="0"/>
+              <a:t>P206</a:t>
+            </a:r>
+            <a:endParaRPr lang="ko-KR" altLang="en-US" sz="1600" b="1" dirty="0"/>
           </a:p>
         </p:txBody>
       </p:sp>
@@ -13372,6 +14412,136 @@
           </a:prstGeom>
         </p:spPr>
       </p:pic>
+      <p:sp>
+        <p:nvSpPr>
+          <p:cNvPr id="7" name="TextBox 6">
+            <a:extLst>
+              <a:ext uri="{FF2B5EF4-FFF2-40B4-BE49-F238E27FC236}">
+                <a16:creationId xmlns:a16="http://schemas.microsoft.com/office/drawing/2014/main" id="{F96F667F-8CC4-4E1D-98F7-E0BE798F5AF4}"/>
+              </a:ext>
+            </a:extLst>
+          </p:cNvPr>
+          <p:cNvSpPr txBox="1"/>
+          <p:nvPr/>
+        </p:nvSpPr>
+        <p:spPr>
+          <a:xfrm>
+            <a:off x="10862120" y="244781"/>
+            <a:ext cx="667170" cy="338554"/>
+          </a:xfrm>
+          <a:prstGeom prst="rect">
+            <a:avLst/>
+          </a:prstGeom>
+          <a:noFill/>
+        </p:spPr>
+        <p:txBody>
+          <a:bodyPr wrap="none" rtlCol="0">
+            <a:spAutoFit/>
+          </a:bodyPr>
+          <a:lstStyle>
+            <a:defPPr>
+              <a:defRPr lang="ko-KR"/>
+            </a:defPPr>
+            <a:lvl1pPr marL="0" algn="l" defTabSz="914400" rtl="0" eaLnBrk="1" latinLnBrk="1" hangingPunct="1">
+              <a:defRPr sz="1800" kern="1200">
+                <a:solidFill>
+                  <a:schemeClr val="tx1"/>
+                </a:solidFill>
+                <a:latin typeface="+mn-lt"/>
+                <a:ea typeface="+mn-ea"/>
+                <a:cs typeface="+mn-cs"/>
+              </a:defRPr>
+            </a:lvl1pPr>
+            <a:lvl2pPr marL="457200" algn="l" defTabSz="914400" rtl="0" eaLnBrk="1" latinLnBrk="1" hangingPunct="1">
+              <a:defRPr sz="1800" kern="1200">
+                <a:solidFill>
+                  <a:schemeClr val="tx1"/>
+                </a:solidFill>
+                <a:latin typeface="+mn-lt"/>
+                <a:ea typeface="+mn-ea"/>
+                <a:cs typeface="+mn-cs"/>
+              </a:defRPr>
+            </a:lvl2pPr>
+            <a:lvl3pPr marL="914400" algn="l" defTabSz="914400" rtl="0" eaLnBrk="1" latinLnBrk="1" hangingPunct="1">
+              <a:defRPr sz="1800" kern="1200">
+                <a:solidFill>
+                  <a:schemeClr val="tx1"/>
+                </a:solidFill>
+                <a:latin typeface="+mn-lt"/>
+                <a:ea typeface="+mn-ea"/>
+                <a:cs typeface="+mn-cs"/>
+              </a:defRPr>
+            </a:lvl3pPr>
+            <a:lvl4pPr marL="1371600" algn="l" defTabSz="914400" rtl="0" eaLnBrk="1" latinLnBrk="1" hangingPunct="1">
+              <a:defRPr sz="1800" kern="1200">
+                <a:solidFill>
+                  <a:schemeClr val="tx1"/>
+                </a:solidFill>
+                <a:latin typeface="+mn-lt"/>
+                <a:ea typeface="+mn-ea"/>
+                <a:cs typeface="+mn-cs"/>
+              </a:defRPr>
+            </a:lvl4pPr>
+            <a:lvl5pPr marL="1828800" algn="l" defTabSz="914400" rtl="0" eaLnBrk="1" latinLnBrk="1" hangingPunct="1">
+              <a:defRPr sz="1800" kern="1200">
+                <a:solidFill>
+                  <a:schemeClr val="tx1"/>
+                </a:solidFill>
+                <a:latin typeface="+mn-lt"/>
+                <a:ea typeface="+mn-ea"/>
+                <a:cs typeface="+mn-cs"/>
+              </a:defRPr>
+            </a:lvl5pPr>
+            <a:lvl6pPr marL="2286000" algn="l" defTabSz="914400" rtl="0" eaLnBrk="1" latinLnBrk="1" hangingPunct="1">
+              <a:defRPr sz="1800" kern="1200">
+                <a:solidFill>
+                  <a:schemeClr val="tx1"/>
+                </a:solidFill>
+                <a:latin typeface="+mn-lt"/>
+                <a:ea typeface="+mn-ea"/>
+                <a:cs typeface="+mn-cs"/>
+              </a:defRPr>
+            </a:lvl6pPr>
+            <a:lvl7pPr marL="2743200" algn="l" defTabSz="914400" rtl="0" eaLnBrk="1" latinLnBrk="1" hangingPunct="1">
+              <a:defRPr sz="1800" kern="1200">
+                <a:solidFill>
+                  <a:schemeClr val="tx1"/>
+                </a:solidFill>
+                <a:latin typeface="+mn-lt"/>
+                <a:ea typeface="+mn-ea"/>
+                <a:cs typeface="+mn-cs"/>
+              </a:defRPr>
+            </a:lvl7pPr>
+            <a:lvl8pPr marL="3200400" algn="l" defTabSz="914400" rtl="0" eaLnBrk="1" latinLnBrk="1" hangingPunct="1">
+              <a:defRPr sz="1800" kern="1200">
+                <a:solidFill>
+                  <a:schemeClr val="tx1"/>
+                </a:solidFill>
+                <a:latin typeface="+mn-lt"/>
+                <a:ea typeface="+mn-ea"/>
+                <a:cs typeface="+mn-cs"/>
+              </a:defRPr>
+            </a:lvl8pPr>
+            <a:lvl9pPr marL="3657600" algn="l" defTabSz="914400" rtl="0" eaLnBrk="1" latinLnBrk="1" hangingPunct="1">
+              <a:defRPr sz="1800" kern="1200">
+                <a:solidFill>
+                  <a:schemeClr val="tx1"/>
+                </a:solidFill>
+                <a:latin typeface="+mn-lt"/>
+                <a:ea typeface="+mn-ea"/>
+                <a:cs typeface="+mn-cs"/>
+              </a:defRPr>
+            </a:lvl9pPr>
+          </a:lstStyle>
+          <a:p>
+            <a:r>
+              <a:rPr lang="en-US" altLang="ko-KR" sz="1600" b="1" dirty="0"/>
+              <a:t>P207</a:t>
+            </a:r>
+            <a:endParaRPr lang="ko-KR" altLang="en-US" sz="1600" b="1" dirty="0"/>
+          </a:p>
+        </p:txBody>
+      </p:sp>
     </p:spTree>
     <p:extLst>
       <p:ext uri="{BB962C8B-B14F-4D97-AF65-F5344CB8AC3E}">
@@ -13752,6 +14922,136 @@
           </a:prstGeom>
         </p:spPr>
       </p:pic>
+      <p:sp>
+        <p:nvSpPr>
+          <p:cNvPr id="6" name="TextBox 5">
+            <a:extLst>
+              <a:ext uri="{FF2B5EF4-FFF2-40B4-BE49-F238E27FC236}">
+                <a16:creationId xmlns:a16="http://schemas.microsoft.com/office/drawing/2014/main" id="{BF546BC8-B8E8-4003-AD0D-B5D239431CD6}"/>
+              </a:ext>
+            </a:extLst>
+          </p:cNvPr>
+          <p:cNvSpPr txBox="1"/>
+          <p:nvPr/>
+        </p:nvSpPr>
+        <p:spPr>
+          <a:xfrm>
+            <a:off x="10870509" y="240020"/>
+            <a:ext cx="667170" cy="338554"/>
+          </a:xfrm>
+          <a:prstGeom prst="rect">
+            <a:avLst/>
+          </a:prstGeom>
+          <a:noFill/>
+        </p:spPr>
+        <p:txBody>
+          <a:bodyPr wrap="none" rtlCol="0">
+            <a:spAutoFit/>
+          </a:bodyPr>
+          <a:lstStyle>
+            <a:defPPr>
+              <a:defRPr lang="ko-KR"/>
+            </a:defPPr>
+            <a:lvl1pPr marL="0" algn="l" defTabSz="914400" rtl="0" eaLnBrk="1" latinLnBrk="1" hangingPunct="1">
+              <a:defRPr sz="1800" kern="1200">
+                <a:solidFill>
+                  <a:schemeClr val="tx1"/>
+                </a:solidFill>
+                <a:latin typeface="+mn-lt"/>
+                <a:ea typeface="+mn-ea"/>
+                <a:cs typeface="+mn-cs"/>
+              </a:defRPr>
+            </a:lvl1pPr>
+            <a:lvl2pPr marL="457200" algn="l" defTabSz="914400" rtl="0" eaLnBrk="1" latinLnBrk="1" hangingPunct="1">
+              <a:defRPr sz="1800" kern="1200">
+                <a:solidFill>
+                  <a:schemeClr val="tx1"/>
+                </a:solidFill>
+                <a:latin typeface="+mn-lt"/>
+                <a:ea typeface="+mn-ea"/>
+                <a:cs typeface="+mn-cs"/>
+              </a:defRPr>
+            </a:lvl2pPr>
+            <a:lvl3pPr marL="914400" algn="l" defTabSz="914400" rtl="0" eaLnBrk="1" latinLnBrk="1" hangingPunct="1">
+              <a:defRPr sz="1800" kern="1200">
+                <a:solidFill>
+                  <a:schemeClr val="tx1"/>
+                </a:solidFill>
+                <a:latin typeface="+mn-lt"/>
+                <a:ea typeface="+mn-ea"/>
+                <a:cs typeface="+mn-cs"/>
+              </a:defRPr>
+            </a:lvl3pPr>
+            <a:lvl4pPr marL="1371600" algn="l" defTabSz="914400" rtl="0" eaLnBrk="1" latinLnBrk="1" hangingPunct="1">
+              <a:defRPr sz="1800" kern="1200">
+                <a:solidFill>
+                  <a:schemeClr val="tx1"/>
+                </a:solidFill>
+                <a:latin typeface="+mn-lt"/>
+                <a:ea typeface="+mn-ea"/>
+                <a:cs typeface="+mn-cs"/>
+              </a:defRPr>
+            </a:lvl4pPr>
+            <a:lvl5pPr marL="1828800" algn="l" defTabSz="914400" rtl="0" eaLnBrk="1" latinLnBrk="1" hangingPunct="1">
+              <a:defRPr sz="1800" kern="1200">
+                <a:solidFill>
+                  <a:schemeClr val="tx1"/>
+                </a:solidFill>
+                <a:latin typeface="+mn-lt"/>
+                <a:ea typeface="+mn-ea"/>
+                <a:cs typeface="+mn-cs"/>
+              </a:defRPr>
+            </a:lvl5pPr>
+            <a:lvl6pPr marL="2286000" algn="l" defTabSz="914400" rtl="0" eaLnBrk="1" latinLnBrk="1" hangingPunct="1">
+              <a:defRPr sz="1800" kern="1200">
+                <a:solidFill>
+                  <a:schemeClr val="tx1"/>
+                </a:solidFill>
+                <a:latin typeface="+mn-lt"/>
+                <a:ea typeface="+mn-ea"/>
+                <a:cs typeface="+mn-cs"/>
+              </a:defRPr>
+            </a:lvl6pPr>
+            <a:lvl7pPr marL="2743200" algn="l" defTabSz="914400" rtl="0" eaLnBrk="1" latinLnBrk="1" hangingPunct="1">
+              <a:defRPr sz="1800" kern="1200">
+                <a:solidFill>
+                  <a:schemeClr val="tx1"/>
+                </a:solidFill>
+                <a:latin typeface="+mn-lt"/>
+                <a:ea typeface="+mn-ea"/>
+                <a:cs typeface="+mn-cs"/>
+              </a:defRPr>
+            </a:lvl7pPr>
+            <a:lvl8pPr marL="3200400" algn="l" defTabSz="914400" rtl="0" eaLnBrk="1" latinLnBrk="1" hangingPunct="1">
+              <a:defRPr sz="1800" kern="1200">
+                <a:solidFill>
+                  <a:schemeClr val="tx1"/>
+                </a:solidFill>
+                <a:latin typeface="+mn-lt"/>
+                <a:ea typeface="+mn-ea"/>
+                <a:cs typeface="+mn-cs"/>
+              </a:defRPr>
+            </a:lvl8pPr>
+            <a:lvl9pPr marL="3657600" algn="l" defTabSz="914400" rtl="0" eaLnBrk="1" latinLnBrk="1" hangingPunct="1">
+              <a:defRPr sz="1800" kern="1200">
+                <a:solidFill>
+                  <a:schemeClr val="tx1"/>
+                </a:solidFill>
+                <a:latin typeface="+mn-lt"/>
+                <a:ea typeface="+mn-ea"/>
+                <a:cs typeface="+mn-cs"/>
+              </a:defRPr>
+            </a:lvl9pPr>
+          </a:lstStyle>
+          <a:p>
+            <a:r>
+              <a:rPr lang="en-US" altLang="ko-KR" sz="1600" b="1" dirty="0"/>
+              <a:t>P209</a:t>
+            </a:r>
+            <a:endParaRPr lang="ko-KR" altLang="en-US" sz="1600" b="1" dirty="0"/>
+          </a:p>
+        </p:txBody>
+      </p:sp>
     </p:spTree>
     <p:extLst>
       <p:ext uri="{BB962C8B-B14F-4D97-AF65-F5344CB8AC3E}">
@@ -14123,6 +15423,136 @@
               <a:rPr lang="ko-KR" altLang="en-US" sz="1400"/>
               <a:t>관리하기 쉽도록 한 군데 모아놓은 것</a:t>
             </a:r>
+          </a:p>
+        </p:txBody>
+      </p:sp>
+      <p:sp>
+        <p:nvSpPr>
+          <p:cNvPr id="9" name="TextBox 12">
+            <a:extLst>
+              <a:ext uri="{FF2B5EF4-FFF2-40B4-BE49-F238E27FC236}">
+                <a16:creationId xmlns:a16="http://schemas.microsoft.com/office/drawing/2014/main" id="{238BB449-71A3-45CB-A207-D9C92F136F07}"/>
+              </a:ext>
+            </a:extLst>
+          </p:cNvPr>
+          <p:cNvSpPr txBox="1"/>
+          <p:nvPr/>
+        </p:nvSpPr>
+        <p:spPr>
+          <a:xfrm>
+            <a:off x="10870509" y="240020"/>
+            <a:ext cx="668773" cy="338554"/>
+          </a:xfrm>
+          <a:prstGeom prst="rect">
+            <a:avLst/>
+          </a:prstGeom>
+          <a:noFill/>
+        </p:spPr>
+        <p:txBody>
+          <a:bodyPr wrap="none" rtlCol="0">
+            <a:spAutoFit/>
+          </a:bodyPr>
+          <a:lstStyle>
+            <a:defPPr>
+              <a:defRPr lang="ko-KR"/>
+            </a:defPPr>
+            <a:lvl1pPr marL="0" algn="l" defTabSz="914400" rtl="0" eaLnBrk="1" latinLnBrk="1" hangingPunct="1">
+              <a:defRPr sz="1800" kern="1200">
+                <a:solidFill>
+                  <a:schemeClr val="tx1"/>
+                </a:solidFill>
+                <a:latin typeface="+mn-lt"/>
+                <a:ea typeface="+mn-ea"/>
+                <a:cs typeface="+mn-cs"/>
+              </a:defRPr>
+            </a:lvl1pPr>
+            <a:lvl2pPr marL="457200" algn="l" defTabSz="914400" rtl="0" eaLnBrk="1" latinLnBrk="1" hangingPunct="1">
+              <a:defRPr sz="1800" kern="1200">
+                <a:solidFill>
+                  <a:schemeClr val="tx1"/>
+                </a:solidFill>
+                <a:latin typeface="+mn-lt"/>
+                <a:ea typeface="+mn-ea"/>
+                <a:cs typeface="+mn-cs"/>
+              </a:defRPr>
+            </a:lvl2pPr>
+            <a:lvl3pPr marL="914400" algn="l" defTabSz="914400" rtl="0" eaLnBrk="1" latinLnBrk="1" hangingPunct="1">
+              <a:defRPr sz="1800" kern="1200">
+                <a:solidFill>
+                  <a:schemeClr val="tx1"/>
+                </a:solidFill>
+                <a:latin typeface="+mn-lt"/>
+                <a:ea typeface="+mn-ea"/>
+                <a:cs typeface="+mn-cs"/>
+              </a:defRPr>
+            </a:lvl3pPr>
+            <a:lvl4pPr marL="1371600" algn="l" defTabSz="914400" rtl="0" eaLnBrk="1" latinLnBrk="1" hangingPunct="1">
+              <a:defRPr sz="1800" kern="1200">
+                <a:solidFill>
+                  <a:schemeClr val="tx1"/>
+                </a:solidFill>
+                <a:latin typeface="+mn-lt"/>
+                <a:ea typeface="+mn-ea"/>
+                <a:cs typeface="+mn-cs"/>
+              </a:defRPr>
+            </a:lvl4pPr>
+            <a:lvl5pPr marL="1828800" algn="l" defTabSz="914400" rtl="0" eaLnBrk="1" latinLnBrk="1" hangingPunct="1">
+              <a:defRPr sz="1800" kern="1200">
+                <a:solidFill>
+                  <a:schemeClr val="tx1"/>
+                </a:solidFill>
+                <a:latin typeface="+mn-lt"/>
+                <a:ea typeface="+mn-ea"/>
+                <a:cs typeface="+mn-cs"/>
+              </a:defRPr>
+            </a:lvl5pPr>
+            <a:lvl6pPr marL="2286000" algn="l" defTabSz="914400" rtl="0" eaLnBrk="1" latinLnBrk="1" hangingPunct="1">
+              <a:defRPr sz="1800" kern="1200">
+                <a:solidFill>
+                  <a:schemeClr val="tx1"/>
+                </a:solidFill>
+                <a:latin typeface="+mn-lt"/>
+                <a:ea typeface="+mn-ea"/>
+                <a:cs typeface="+mn-cs"/>
+              </a:defRPr>
+            </a:lvl6pPr>
+            <a:lvl7pPr marL="2743200" algn="l" defTabSz="914400" rtl="0" eaLnBrk="1" latinLnBrk="1" hangingPunct="1">
+              <a:defRPr sz="1800" kern="1200">
+                <a:solidFill>
+                  <a:schemeClr val="tx1"/>
+                </a:solidFill>
+                <a:latin typeface="+mn-lt"/>
+                <a:ea typeface="+mn-ea"/>
+                <a:cs typeface="+mn-cs"/>
+              </a:defRPr>
+            </a:lvl7pPr>
+            <a:lvl8pPr marL="3200400" algn="l" defTabSz="914400" rtl="0" eaLnBrk="1" latinLnBrk="1" hangingPunct="1">
+              <a:defRPr sz="1800" kern="1200">
+                <a:solidFill>
+                  <a:schemeClr val="tx1"/>
+                </a:solidFill>
+                <a:latin typeface="+mn-lt"/>
+                <a:ea typeface="+mn-ea"/>
+                <a:cs typeface="+mn-cs"/>
+              </a:defRPr>
+            </a:lvl8pPr>
+            <a:lvl9pPr marL="3657600" algn="l" defTabSz="914400" rtl="0" eaLnBrk="1" latinLnBrk="1" hangingPunct="1">
+              <a:defRPr sz="1800" kern="1200">
+                <a:solidFill>
+                  <a:schemeClr val="tx1"/>
+                </a:solidFill>
+                <a:latin typeface="+mn-lt"/>
+                <a:ea typeface="+mn-ea"/>
+                <a:cs typeface="+mn-cs"/>
+              </a:defRPr>
+            </a:lvl9pPr>
+          </a:lstStyle>
+          <a:p>
+            <a:r>
+              <a:rPr lang="en-US" altLang="ko-KR" sz="1600" b="1" dirty="0"/>
+              <a:t>p186</a:t>
+            </a:r>
+            <a:endParaRPr lang="ko-KR" altLang="en-US" sz="1600" b="1" dirty="0"/>
           </a:p>
         </p:txBody>
       </p:sp>
@@ -14647,6 +16077,136 @@
           </a:prstGeom>
         </p:spPr>
       </p:pic>
+      <p:sp>
+        <p:nvSpPr>
+          <p:cNvPr id="12" name="TextBox 11">
+            <a:extLst>
+              <a:ext uri="{FF2B5EF4-FFF2-40B4-BE49-F238E27FC236}">
+                <a16:creationId xmlns:a16="http://schemas.microsoft.com/office/drawing/2014/main" id="{F1D473C7-B529-4F5E-B445-AF2C41B7703F}"/>
+              </a:ext>
+            </a:extLst>
+          </p:cNvPr>
+          <p:cNvSpPr txBox="1"/>
+          <p:nvPr/>
+        </p:nvSpPr>
+        <p:spPr>
+          <a:xfrm>
+            <a:off x="10870509" y="240020"/>
+            <a:ext cx="667170" cy="338554"/>
+          </a:xfrm>
+          <a:prstGeom prst="rect">
+            <a:avLst/>
+          </a:prstGeom>
+          <a:noFill/>
+        </p:spPr>
+        <p:txBody>
+          <a:bodyPr wrap="none" rtlCol="0">
+            <a:spAutoFit/>
+          </a:bodyPr>
+          <a:lstStyle>
+            <a:defPPr>
+              <a:defRPr lang="ko-KR"/>
+            </a:defPPr>
+            <a:lvl1pPr marL="0" algn="l" defTabSz="914400" rtl="0" eaLnBrk="1" latinLnBrk="1" hangingPunct="1">
+              <a:defRPr sz="1800" kern="1200">
+                <a:solidFill>
+                  <a:schemeClr val="tx1"/>
+                </a:solidFill>
+                <a:latin typeface="+mn-lt"/>
+                <a:ea typeface="+mn-ea"/>
+                <a:cs typeface="+mn-cs"/>
+              </a:defRPr>
+            </a:lvl1pPr>
+            <a:lvl2pPr marL="457200" algn="l" defTabSz="914400" rtl="0" eaLnBrk="1" latinLnBrk="1" hangingPunct="1">
+              <a:defRPr sz="1800" kern="1200">
+                <a:solidFill>
+                  <a:schemeClr val="tx1"/>
+                </a:solidFill>
+                <a:latin typeface="+mn-lt"/>
+                <a:ea typeface="+mn-ea"/>
+                <a:cs typeface="+mn-cs"/>
+              </a:defRPr>
+            </a:lvl2pPr>
+            <a:lvl3pPr marL="914400" algn="l" defTabSz="914400" rtl="0" eaLnBrk="1" latinLnBrk="1" hangingPunct="1">
+              <a:defRPr sz="1800" kern="1200">
+                <a:solidFill>
+                  <a:schemeClr val="tx1"/>
+                </a:solidFill>
+                <a:latin typeface="+mn-lt"/>
+                <a:ea typeface="+mn-ea"/>
+                <a:cs typeface="+mn-cs"/>
+              </a:defRPr>
+            </a:lvl3pPr>
+            <a:lvl4pPr marL="1371600" algn="l" defTabSz="914400" rtl="0" eaLnBrk="1" latinLnBrk="1" hangingPunct="1">
+              <a:defRPr sz="1800" kern="1200">
+                <a:solidFill>
+                  <a:schemeClr val="tx1"/>
+                </a:solidFill>
+                <a:latin typeface="+mn-lt"/>
+                <a:ea typeface="+mn-ea"/>
+                <a:cs typeface="+mn-cs"/>
+              </a:defRPr>
+            </a:lvl4pPr>
+            <a:lvl5pPr marL="1828800" algn="l" defTabSz="914400" rtl="0" eaLnBrk="1" latinLnBrk="1" hangingPunct="1">
+              <a:defRPr sz="1800" kern="1200">
+                <a:solidFill>
+                  <a:schemeClr val="tx1"/>
+                </a:solidFill>
+                <a:latin typeface="+mn-lt"/>
+                <a:ea typeface="+mn-ea"/>
+                <a:cs typeface="+mn-cs"/>
+              </a:defRPr>
+            </a:lvl5pPr>
+            <a:lvl6pPr marL="2286000" algn="l" defTabSz="914400" rtl="0" eaLnBrk="1" latinLnBrk="1" hangingPunct="1">
+              <a:defRPr sz="1800" kern="1200">
+                <a:solidFill>
+                  <a:schemeClr val="tx1"/>
+                </a:solidFill>
+                <a:latin typeface="+mn-lt"/>
+                <a:ea typeface="+mn-ea"/>
+                <a:cs typeface="+mn-cs"/>
+              </a:defRPr>
+            </a:lvl6pPr>
+            <a:lvl7pPr marL="2743200" algn="l" defTabSz="914400" rtl="0" eaLnBrk="1" latinLnBrk="1" hangingPunct="1">
+              <a:defRPr sz="1800" kern="1200">
+                <a:solidFill>
+                  <a:schemeClr val="tx1"/>
+                </a:solidFill>
+                <a:latin typeface="+mn-lt"/>
+                <a:ea typeface="+mn-ea"/>
+                <a:cs typeface="+mn-cs"/>
+              </a:defRPr>
+            </a:lvl7pPr>
+            <a:lvl8pPr marL="3200400" algn="l" defTabSz="914400" rtl="0" eaLnBrk="1" latinLnBrk="1" hangingPunct="1">
+              <a:defRPr sz="1800" kern="1200">
+                <a:solidFill>
+                  <a:schemeClr val="tx1"/>
+                </a:solidFill>
+                <a:latin typeface="+mn-lt"/>
+                <a:ea typeface="+mn-ea"/>
+                <a:cs typeface="+mn-cs"/>
+              </a:defRPr>
+            </a:lvl8pPr>
+            <a:lvl9pPr marL="3657600" algn="l" defTabSz="914400" rtl="0" eaLnBrk="1" latinLnBrk="1" hangingPunct="1">
+              <a:defRPr sz="1800" kern="1200">
+                <a:solidFill>
+                  <a:schemeClr val="tx1"/>
+                </a:solidFill>
+                <a:latin typeface="+mn-lt"/>
+                <a:ea typeface="+mn-ea"/>
+                <a:cs typeface="+mn-cs"/>
+              </a:defRPr>
+            </a:lvl9pPr>
+          </a:lstStyle>
+          <a:p>
+            <a:r>
+              <a:rPr lang="en-US" altLang="ko-KR" sz="1600" b="1" dirty="0"/>
+              <a:t>P211</a:t>
+            </a:r>
+            <a:endParaRPr lang="ko-KR" altLang="en-US" sz="1600" b="1" dirty="0"/>
+          </a:p>
+        </p:txBody>
+      </p:sp>
     </p:spTree>
     <p:extLst>
       <p:ext uri="{BB962C8B-B14F-4D97-AF65-F5344CB8AC3E}">
@@ -15065,6 +16625,136 @@
           </a:prstGeom>
         </p:spPr>
       </p:pic>
+      <p:sp>
+        <p:nvSpPr>
+          <p:cNvPr id="7" name="TextBox 6">
+            <a:extLst>
+              <a:ext uri="{FF2B5EF4-FFF2-40B4-BE49-F238E27FC236}">
+                <a16:creationId xmlns:a16="http://schemas.microsoft.com/office/drawing/2014/main" id="{97AAB72E-481B-4D45-AC54-38D9D02C0E71}"/>
+              </a:ext>
+            </a:extLst>
+          </p:cNvPr>
+          <p:cNvSpPr txBox="1"/>
+          <p:nvPr/>
+        </p:nvSpPr>
+        <p:spPr>
+          <a:xfrm>
+            <a:off x="10870509" y="240020"/>
+            <a:ext cx="667170" cy="338554"/>
+          </a:xfrm>
+          <a:prstGeom prst="rect">
+            <a:avLst/>
+          </a:prstGeom>
+          <a:noFill/>
+        </p:spPr>
+        <p:txBody>
+          <a:bodyPr wrap="none" rtlCol="0">
+            <a:spAutoFit/>
+          </a:bodyPr>
+          <a:lstStyle>
+            <a:defPPr>
+              <a:defRPr lang="ko-KR"/>
+            </a:defPPr>
+            <a:lvl1pPr marL="0" algn="l" defTabSz="914400" rtl="0" eaLnBrk="1" latinLnBrk="1" hangingPunct="1">
+              <a:defRPr sz="1800" kern="1200">
+                <a:solidFill>
+                  <a:schemeClr val="tx1"/>
+                </a:solidFill>
+                <a:latin typeface="+mn-lt"/>
+                <a:ea typeface="+mn-ea"/>
+                <a:cs typeface="+mn-cs"/>
+              </a:defRPr>
+            </a:lvl1pPr>
+            <a:lvl2pPr marL="457200" algn="l" defTabSz="914400" rtl="0" eaLnBrk="1" latinLnBrk="1" hangingPunct="1">
+              <a:defRPr sz="1800" kern="1200">
+                <a:solidFill>
+                  <a:schemeClr val="tx1"/>
+                </a:solidFill>
+                <a:latin typeface="+mn-lt"/>
+                <a:ea typeface="+mn-ea"/>
+                <a:cs typeface="+mn-cs"/>
+              </a:defRPr>
+            </a:lvl2pPr>
+            <a:lvl3pPr marL="914400" algn="l" defTabSz="914400" rtl="0" eaLnBrk="1" latinLnBrk="1" hangingPunct="1">
+              <a:defRPr sz="1800" kern="1200">
+                <a:solidFill>
+                  <a:schemeClr val="tx1"/>
+                </a:solidFill>
+                <a:latin typeface="+mn-lt"/>
+                <a:ea typeface="+mn-ea"/>
+                <a:cs typeface="+mn-cs"/>
+              </a:defRPr>
+            </a:lvl3pPr>
+            <a:lvl4pPr marL="1371600" algn="l" defTabSz="914400" rtl="0" eaLnBrk="1" latinLnBrk="1" hangingPunct="1">
+              <a:defRPr sz="1800" kern="1200">
+                <a:solidFill>
+                  <a:schemeClr val="tx1"/>
+                </a:solidFill>
+                <a:latin typeface="+mn-lt"/>
+                <a:ea typeface="+mn-ea"/>
+                <a:cs typeface="+mn-cs"/>
+              </a:defRPr>
+            </a:lvl4pPr>
+            <a:lvl5pPr marL="1828800" algn="l" defTabSz="914400" rtl="0" eaLnBrk="1" latinLnBrk="1" hangingPunct="1">
+              <a:defRPr sz="1800" kern="1200">
+                <a:solidFill>
+                  <a:schemeClr val="tx1"/>
+                </a:solidFill>
+                <a:latin typeface="+mn-lt"/>
+                <a:ea typeface="+mn-ea"/>
+                <a:cs typeface="+mn-cs"/>
+              </a:defRPr>
+            </a:lvl5pPr>
+            <a:lvl6pPr marL="2286000" algn="l" defTabSz="914400" rtl="0" eaLnBrk="1" latinLnBrk="1" hangingPunct="1">
+              <a:defRPr sz="1800" kern="1200">
+                <a:solidFill>
+                  <a:schemeClr val="tx1"/>
+                </a:solidFill>
+                <a:latin typeface="+mn-lt"/>
+                <a:ea typeface="+mn-ea"/>
+                <a:cs typeface="+mn-cs"/>
+              </a:defRPr>
+            </a:lvl6pPr>
+            <a:lvl7pPr marL="2743200" algn="l" defTabSz="914400" rtl="0" eaLnBrk="1" latinLnBrk="1" hangingPunct="1">
+              <a:defRPr sz="1800" kern="1200">
+                <a:solidFill>
+                  <a:schemeClr val="tx1"/>
+                </a:solidFill>
+                <a:latin typeface="+mn-lt"/>
+                <a:ea typeface="+mn-ea"/>
+                <a:cs typeface="+mn-cs"/>
+              </a:defRPr>
+            </a:lvl7pPr>
+            <a:lvl8pPr marL="3200400" algn="l" defTabSz="914400" rtl="0" eaLnBrk="1" latinLnBrk="1" hangingPunct="1">
+              <a:defRPr sz="1800" kern="1200">
+                <a:solidFill>
+                  <a:schemeClr val="tx1"/>
+                </a:solidFill>
+                <a:latin typeface="+mn-lt"/>
+                <a:ea typeface="+mn-ea"/>
+                <a:cs typeface="+mn-cs"/>
+              </a:defRPr>
+            </a:lvl8pPr>
+            <a:lvl9pPr marL="3657600" algn="l" defTabSz="914400" rtl="0" eaLnBrk="1" latinLnBrk="1" hangingPunct="1">
+              <a:defRPr sz="1800" kern="1200">
+                <a:solidFill>
+                  <a:schemeClr val="tx1"/>
+                </a:solidFill>
+                <a:latin typeface="+mn-lt"/>
+                <a:ea typeface="+mn-ea"/>
+                <a:cs typeface="+mn-cs"/>
+              </a:defRPr>
+            </a:lvl9pPr>
+          </a:lstStyle>
+          <a:p>
+            <a:r>
+              <a:rPr lang="en-US" altLang="ko-KR" sz="1600" b="1"/>
+              <a:t>P212</a:t>
+            </a:r>
+            <a:endParaRPr lang="ko-KR" altLang="en-US" sz="1600" b="1" dirty="0"/>
+          </a:p>
+        </p:txBody>
+      </p:sp>
     </p:spTree>
     <p:extLst>
       <p:ext uri="{BB962C8B-B14F-4D97-AF65-F5344CB8AC3E}">
@@ -15552,6 +17242,136 @@
           </a:p>
         </p:txBody>
       </p:sp>
+      <p:sp>
+        <p:nvSpPr>
+          <p:cNvPr id="16" name="TextBox 12">
+            <a:extLst>
+              <a:ext uri="{FF2B5EF4-FFF2-40B4-BE49-F238E27FC236}">
+                <a16:creationId xmlns:a16="http://schemas.microsoft.com/office/drawing/2014/main" id="{FB40CE27-98E4-49EA-AED0-B95A2B2CBCF1}"/>
+              </a:ext>
+            </a:extLst>
+          </p:cNvPr>
+          <p:cNvSpPr txBox="1"/>
+          <p:nvPr/>
+        </p:nvSpPr>
+        <p:spPr>
+          <a:xfrm>
+            <a:off x="10870509" y="240020"/>
+            <a:ext cx="668773" cy="338554"/>
+          </a:xfrm>
+          <a:prstGeom prst="rect">
+            <a:avLst/>
+          </a:prstGeom>
+          <a:noFill/>
+        </p:spPr>
+        <p:txBody>
+          <a:bodyPr wrap="none" rtlCol="0">
+            <a:spAutoFit/>
+          </a:bodyPr>
+          <a:lstStyle>
+            <a:defPPr>
+              <a:defRPr lang="ko-KR"/>
+            </a:defPPr>
+            <a:lvl1pPr marL="0" algn="l" defTabSz="914400" rtl="0" eaLnBrk="1" latinLnBrk="1" hangingPunct="1">
+              <a:defRPr sz="1800" kern="1200">
+                <a:solidFill>
+                  <a:schemeClr val="tx1"/>
+                </a:solidFill>
+                <a:latin typeface="+mn-lt"/>
+                <a:ea typeface="+mn-ea"/>
+                <a:cs typeface="+mn-cs"/>
+              </a:defRPr>
+            </a:lvl1pPr>
+            <a:lvl2pPr marL="457200" algn="l" defTabSz="914400" rtl="0" eaLnBrk="1" latinLnBrk="1" hangingPunct="1">
+              <a:defRPr sz="1800" kern="1200">
+                <a:solidFill>
+                  <a:schemeClr val="tx1"/>
+                </a:solidFill>
+                <a:latin typeface="+mn-lt"/>
+                <a:ea typeface="+mn-ea"/>
+                <a:cs typeface="+mn-cs"/>
+              </a:defRPr>
+            </a:lvl2pPr>
+            <a:lvl3pPr marL="914400" algn="l" defTabSz="914400" rtl="0" eaLnBrk="1" latinLnBrk="1" hangingPunct="1">
+              <a:defRPr sz="1800" kern="1200">
+                <a:solidFill>
+                  <a:schemeClr val="tx1"/>
+                </a:solidFill>
+                <a:latin typeface="+mn-lt"/>
+                <a:ea typeface="+mn-ea"/>
+                <a:cs typeface="+mn-cs"/>
+              </a:defRPr>
+            </a:lvl3pPr>
+            <a:lvl4pPr marL="1371600" algn="l" defTabSz="914400" rtl="0" eaLnBrk="1" latinLnBrk="1" hangingPunct="1">
+              <a:defRPr sz="1800" kern="1200">
+                <a:solidFill>
+                  <a:schemeClr val="tx1"/>
+                </a:solidFill>
+                <a:latin typeface="+mn-lt"/>
+                <a:ea typeface="+mn-ea"/>
+                <a:cs typeface="+mn-cs"/>
+              </a:defRPr>
+            </a:lvl4pPr>
+            <a:lvl5pPr marL="1828800" algn="l" defTabSz="914400" rtl="0" eaLnBrk="1" latinLnBrk="1" hangingPunct="1">
+              <a:defRPr sz="1800" kern="1200">
+                <a:solidFill>
+                  <a:schemeClr val="tx1"/>
+                </a:solidFill>
+                <a:latin typeface="+mn-lt"/>
+                <a:ea typeface="+mn-ea"/>
+                <a:cs typeface="+mn-cs"/>
+              </a:defRPr>
+            </a:lvl5pPr>
+            <a:lvl6pPr marL="2286000" algn="l" defTabSz="914400" rtl="0" eaLnBrk="1" latinLnBrk="1" hangingPunct="1">
+              <a:defRPr sz="1800" kern="1200">
+                <a:solidFill>
+                  <a:schemeClr val="tx1"/>
+                </a:solidFill>
+                <a:latin typeface="+mn-lt"/>
+                <a:ea typeface="+mn-ea"/>
+                <a:cs typeface="+mn-cs"/>
+              </a:defRPr>
+            </a:lvl6pPr>
+            <a:lvl7pPr marL="2743200" algn="l" defTabSz="914400" rtl="0" eaLnBrk="1" latinLnBrk="1" hangingPunct="1">
+              <a:defRPr sz="1800" kern="1200">
+                <a:solidFill>
+                  <a:schemeClr val="tx1"/>
+                </a:solidFill>
+                <a:latin typeface="+mn-lt"/>
+                <a:ea typeface="+mn-ea"/>
+                <a:cs typeface="+mn-cs"/>
+              </a:defRPr>
+            </a:lvl7pPr>
+            <a:lvl8pPr marL="3200400" algn="l" defTabSz="914400" rtl="0" eaLnBrk="1" latinLnBrk="1" hangingPunct="1">
+              <a:defRPr sz="1800" kern="1200">
+                <a:solidFill>
+                  <a:schemeClr val="tx1"/>
+                </a:solidFill>
+                <a:latin typeface="+mn-lt"/>
+                <a:ea typeface="+mn-ea"/>
+                <a:cs typeface="+mn-cs"/>
+              </a:defRPr>
+            </a:lvl8pPr>
+            <a:lvl9pPr marL="3657600" algn="l" defTabSz="914400" rtl="0" eaLnBrk="1" latinLnBrk="1" hangingPunct="1">
+              <a:defRPr sz="1800" kern="1200">
+                <a:solidFill>
+                  <a:schemeClr val="tx1"/>
+                </a:solidFill>
+                <a:latin typeface="+mn-lt"/>
+                <a:ea typeface="+mn-ea"/>
+                <a:cs typeface="+mn-cs"/>
+              </a:defRPr>
+            </a:lvl9pPr>
+          </a:lstStyle>
+          <a:p>
+            <a:r>
+              <a:rPr lang="en-US" altLang="ko-KR" sz="1600" b="1" dirty="0"/>
+              <a:t>p190</a:t>
+            </a:r>
+            <a:endParaRPr lang="ko-KR" altLang="en-US" sz="1600" b="1" dirty="0"/>
+          </a:p>
+        </p:txBody>
+      </p:sp>
     </p:spTree>
     <p:extLst>
       <p:ext uri="{BB962C8B-B14F-4D97-AF65-F5344CB8AC3E}">
@@ -15773,6 +17593,136 @@
           </a:prstGeom>
         </p:spPr>
       </p:pic>
+      <p:sp>
+        <p:nvSpPr>
+          <p:cNvPr id="6" name="TextBox 12">
+            <a:extLst>
+              <a:ext uri="{FF2B5EF4-FFF2-40B4-BE49-F238E27FC236}">
+                <a16:creationId xmlns:a16="http://schemas.microsoft.com/office/drawing/2014/main" id="{A63BFC58-5933-46D0-86A7-DA6160EC5564}"/>
+              </a:ext>
+            </a:extLst>
+          </p:cNvPr>
+          <p:cNvSpPr txBox="1"/>
+          <p:nvPr/>
+        </p:nvSpPr>
+        <p:spPr>
+          <a:xfrm>
+            <a:off x="10870509" y="240020"/>
+            <a:ext cx="668773" cy="338554"/>
+          </a:xfrm>
+          <a:prstGeom prst="rect">
+            <a:avLst/>
+          </a:prstGeom>
+          <a:noFill/>
+        </p:spPr>
+        <p:txBody>
+          <a:bodyPr wrap="none" rtlCol="0">
+            <a:spAutoFit/>
+          </a:bodyPr>
+          <a:lstStyle>
+            <a:defPPr>
+              <a:defRPr lang="ko-KR"/>
+            </a:defPPr>
+            <a:lvl1pPr marL="0" algn="l" defTabSz="914400" rtl="0" eaLnBrk="1" latinLnBrk="1" hangingPunct="1">
+              <a:defRPr sz="1800" kern="1200">
+                <a:solidFill>
+                  <a:schemeClr val="tx1"/>
+                </a:solidFill>
+                <a:latin typeface="+mn-lt"/>
+                <a:ea typeface="+mn-ea"/>
+                <a:cs typeface="+mn-cs"/>
+              </a:defRPr>
+            </a:lvl1pPr>
+            <a:lvl2pPr marL="457200" algn="l" defTabSz="914400" rtl="0" eaLnBrk="1" latinLnBrk="1" hangingPunct="1">
+              <a:defRPr sz="1800" kern="1200">
+                <a:solidFill>
+                  <a:schemeClr val="tx1"/>
+                </a:solidFill>
+                <a:latin typeface="+mn-lt"/>
+                <a:ea typeface="+mn-ea"/>
+                <a:cs typeface="+mn-cs"/>
+              </a:defRPr>
+            </a:lvl2pPr>
+            <a:lvl3pPr marL="914400" algn="l" defTabSz="914400" rtl="0" eaLnBrk="1" latinLnBrk="1" hangingPunct="1">
+              <a:defRPr sz="1800" kern="1200">
+                <a:solidFill>
+                  <a:schemeClr val="tx1"/>
+                </a:solidFill>
+                <a:latin typeface="+mn-lt"/>
+                <a:ea typeface="+mn-ea"/>
+                <a:cs typeface="+mn-cs"/>
+              </a:defRPr>
+            </a:lvl3pPr>
+            <a:lvl4pPr marL="1371600" algn="l" defTabSz="914400" rtl="0" eaLnBrk="1" latinLnBrk="1" hangingPunct="1">
+              <a:defRPr sz="1800" kern="1200">
+                <a:solidFill>
+                  <a:schemeClr val="tx1"/>
+                </a:solidFill>
+                <a:latin typeface="+mn-lt"/>
+                <a:ea typeface="+mn-ea"/>
+                <a:cs typeface="+mn-cs"/>
+              </a:defRPr>
+            </a:lvl4pPr>
+            <a:lvl5pPr marL="1828800" algn="l" defTabSz="914400" rtl="0" eaLnBrk="1" latinLnBrk="1" hangingPunct="1">
+              <a:defRPr sz="1800" kern="1200">
+                <a:solidFill>
+                  <a:schemeClr val="tx1"/>
+                </a:solidFill>
+                <a:latin typeface="+mn-lt"/>
+                <a:ea typeface="+mn-ea"/>
+                <a:cs typeface="+mn-cs"/>
+              </a:defRPr>
+            </a:lvl5pPr>
+            <a:lvl6pPr marL="2286000" algn="l" defTabSz="914400" rtl="0" eaLnBrk="1" latinLnBrk="1" hangingPunct="1">
+              <a:defRPr sz="1800" kern="1200">
+                <a:solidFill>
+                  <a:schemeClr val="tx1"/>
+                </a:solidFill>
+                <a:latin typeface="+mn-lt"/>
+                <a:ea typeface="+mn-ea"/>
+                <a:cs typeface="+mn-cs"/>
+              </a:defRPr>
+            </a:lvl6pPr>
+            <a:lvl7pPr marL="2743200" algn="l" defTabSz="914400" rtl="0" eaLnBrk="1" latinLnBrk="1" hangingPunct="1">
+              <a:defRPr sz="1800" kern="1200">
+                <a:solidFill>
+                  <a:schemeClr val="tx1"/>
+                </a:solidFill>
+                <a:latin typeface="+mn-lt"/>
+                <a:ea typeface="+mn-ea"/>
+                <a:cs typeface="+mn-cs"/>
+              </a:defRPr>
+            </a:lvl7pPr>
+            <a:lvl8pPr marL="3200400" algn="l" defTabSz="914400" rtl="0" eaLnBrk="1" latinLnBrk="1" hangingPunct="1">
+              <a:defRPr sz="1800" kern="1200">
+                <a:solidFill>
+                  <a:schemeClr val="tx1"/>
+                </a:solidFill>
+                <a:latin typeface="+mn-lt"/>
+                <a:ea typeface="+mn-ea"/>
+                <a:cs typeface="+mn-cs"/>
+              </a:defRPr>
+            </a:lvl8pPr>
+            <a:lvl9pPr marL="3657600" algn="l" defTabSz="914400" rtl="0" eaLnBrk="1" latinLnBrk="1" hangingPunct="1">
+              <a:defRPr sz="1800" kern="1200">
+                <a:solidFill>
+                  <a:schemeClr val="tx1"/>
+                </a:solidFill>
+                <a:latin typeface="+mn-lt"/>
+                <a:ea typeface="+mn-ea"/>
+                <a:cs typeface="+mn-cs"/>
+              </a:defRPr>
+            </a:lvl9pPr>
+          </a:lstStyle>
+          <a:p>
+            <a:r>
+              <a:rPr lang="en-US" altLang="ko-KR" sz="1600" b="1" dirty="0"/>
+              <a:t>p190</a:t>
+            </a:r>
+            <a:endParaRPr lang="ko-KR" altLang="en-US" sz="1600" b="1" dirty="0"/>
+          </a:p>
+        </p:txBody>
+      </p:sp>
     </p:spTree>
     <p:extLst>
       <p:ext uri="{BB962C8B-B14F-4D97-AF65-F5344CB8AC3E}">
@@ -16114,6 +18064,136 @@
           </a:prstGeom>
         </p:spPr>
       </p:pic>
+      <p:sp>
+        <p:nvSpPr>
+          <p:cNvPr id="10" name="TextBox 12">
+            <a:extLst>
+              <a:ext uri="{FF2B5EF4-FFF2-40B4-BE49-F238E27FC236}">
+                <a16:creationId xmlns:a16="http://schemas.microsoft.com/office/drawing/2014/main" id="{CDE71F16-649D-4BA2-8DF4-7AE0544B1935}"/>
+              </a:ext>
+            </a:extLst>
+          </p:cNvPr>
+          <p:cNvSpPr txBox="1"/>
+          <p:nvPr/>
+        </p:nvSpPr>
+        <p:spPr>
+          <a:xfrm>
+            <a:off x="10870509" y="240020"/>
+            <a:ext cx="668773" cy="338554"/>
+          </a:xfrm>
+          <a:prstGeom prst="rect">
+            <a:avLst/>
+          </a:prstGeom>
+          <a:noFill/>
+        </p:spPr>
+        <p:txBody>
+          <a:bodyPr wrap="none" rtlCol="0">
+            <a:spAutoFit/>
+          </a:bodyPr>
+          <a:lstStyle>
+            <a:defPPr>
+              <a:defRPr lang="ko-KR"/>
+            </a:defPPr>
+            <a:lvl1pPr marL="0" algn="l" defTabSz="914400" rtl="0" eaLnBrk="1" latinLnBrk="1" hangingPunct="1">
+              <a:defRPr sz="1800" kern="1200">
+                <a:solidFill>
+                  <a:schemeClr val="tx1"/>
+                </a:solidFill>
+                <a:latin typeface="+mn-lt"/>
+                <a:ea typeface="+mn-ea"/>
+                <a:cs typeface="+mn-cs"/>
+              </a:defRPr>
+            </a:lvl1pPr>
+            <a:lvl2pPr marL="457200" algn="l" defTabSz="914400" rtl="0" eaLnBrk="1" latinLnBrk="1" hangingPunct="1">
+              <a:defRPr sz="1800" kern="1200">
+                <a:solidFill>
+                  <a:schemeClr val="tx1"/>
+                </a:solidFill>
+                <a:latin typeface="+mn-lt"/>
+                <a:ea typeface="+mn-ea"/>
+                <a:cs typeface="+mn-cs"/>
+              </a:defRPr>
+            </a:lvl2pPr>
+            <a:lvl3pPr marL="914400" algn="l" defTabSz="914400" rtl="0" eaLnBrk="1" latinLnBrk="1" hangingPunct="1">
+              <a:defRPr sz="1800" kern="1200">
+                <a:solidFill>
+                  <a:schemeClr val="tx1"/>
+                </a:solidFill>
+                <a:latin typeface="+mn-lt"/>
+                <a:ea typeface="+mn-ea"/>
+                <a:cs typeface="+mn-cs"/>
+              </a:defRPr>
+            </a:lvl3pPr>
+            <a:lvl4pPr marL="1371600" algn="l" defTabSz="914400" rtl="0" eaLnBrk="1" latinLnBrk="1" hangingPunct="1">
+              <a:defRPr sz="1800" kern="1200">
+                <a:solidFill>
+                  <a:schemeClr val="tx1"/>
+                </a:solidFill>
+                <a:latin typeface="+mn-lt"/>
+                <a:ea typeface="+mn-ea"/>
+                <a:cs typeface="+mn-cs"/>
+              </a:defRPr>
+            </a:lvl4pPr>
+            <a:lvl5pPr marL="1828800" algn="l" defTabSz="914400" rtl="0" eaLnBrk="1" latinLnBrk="1" hangingPunct="1">
+              <a:defRPr sz="1800" kern="1200">
+                <a:solidFill>
+                  <a:schemeClr val="tx1"/>
+                </a:solidFill>
+                <a:latin typeface="+mn-lt"/>
+                <a:ea typeface="+mn-ea"/>
+                <a:cs typeface="+mn-cs"/>
+              </a:defRPr>
+            </a:lvl5pPr>
+            <a:lvl6pPr marL="2286000" algn="l" defTabSz="914400" rtl="0" eaLnBrk="1" latinLnBrk="1" hangingPunct="1">
+              <a:defRPr sz="1800" kern="1200">
+                <a:solidFill>
+                  <a:schemeClr val="tx1"/>
+                </a:solidFill>
+                <a:latin typeface="+mn-lt"/>
+                <a:ea typeface="+mn-ea"/>
+                <a:cs typeface="+mn-cs"/>
+              </a:defRPr>
+            </a:lvl6pPr>
+            <a:lvl7pPr marL="2743200" algn="l" defTabSz="914400" rtl="0" eaLnBrk="1" latinLnBrk="1" hangingPunct="1">
+              <a:defRPr sz="1800" kern="1200">
+                <a:solidFill>
+                  <a:schemeClr val="tx1"/>
+                </a:solidFill>
+                <a:latin typeface="+mn-lt"/>
+                <a:ea typeface="+mn-ea"/>
+                <a:cs typeface="+mn-cs"/>
+              </a:defRPr>
+            </a:lvl7pPr>
+            <a:lvl8pPr marL="3200400" algn="l" defTabSz="914400" rtl="0" eaLnBrk="1" latinLnBrk="1" hangingPunct="1">
+              <a:defRPr sz="1800" kern="1200">
+                <a:solidFill>
+                  <a:schemeClr val="tx1"/>
+                </a:solidFill>
+                <a:latin typeface="+mn-lt"/>
+                <a:ea typeface="+mn-ea"/>
+                <a:cs typeface="+mn-cs"/>
+              </a:defRPr>
+            </a:lvl8pPr>
+            <a:lvl9pPr marL="3657600" algn="l" defTabSz="914400" rtl="0" eaLnBrk="1" latinLnBrk="1" hangingPunct="1">
+              <a:defRPr sz="1800" kern="1200">
+                <a:solidFill>
+                  <a:schemeClr val="tx1"/>
+                </a:solidFill>
+                <a:latin typeface="+mn-lt"/>
+                <a:ea typeface="+mn-ea"/>
+                <a:cs typeface="+mn-cs"/>
+              </a:defRPr>
+            </a:lvl9pPr>
+          </a:lstStyle>
+          <a:p>
+            <a:r>
+              <a:rPr lang="en-US" altLang="ko-KR" sz="1600" b="1" dirty="0"/>
+              <a:t>p191</a:t>
+            </a:r>
+            <a:endParaRPr lang="ko-KR" altLang="en-US" sz="1600" b="1" dirty="0"/>
+          </a:p>
+        </p:txBody>
+      </p:sp>
     </p:spTree>
     <p:extLst>
       <p:ext uri="{BB962C8B-B14F-4D97-AF65-F5344CB8AC3E}">
@@ -16985,6 +19065,136 @@
           </a:prstGeom>
         </p:spPr>
       </p:pic>
+      <p:sp>
+        <p:nvSpPr>
+          <p:cNvPr id="8" name="TextBox 12">
+            <a:extLst>
+              <a:ext uri="{FF2B5EF4-FFF2-40B4-BE49-F238E27FC236}">
+                <a16:creationId xmlns:a16="http://schemas.microsoft.com/office/drawing/2014/main" id="{8C057889-2719-472D-B5D9-3215B6676FEB}"/>
+              </a:ext>
+            </a:extLst>
+          </p:cNvPr>
+          <p:cNvSpPr txBox="1"/>
+          <p:nvPr/>
+        </p:nvSpPr>
+        <p:spPr>
+          <a:xfrm>
+            <a:off x="10870509" y="240020"/>
+            <a:ext cx="668773" cy="338554"/>
+          </a:xfrm>
+          <a:prstGeom prst="rect">
+            <a:avLst/>
+          </a:prstGeom>
+          <a:noFill/>
+        </p:spPr>
+        <p:txBody>
+          <a:bodyPr wrap="none" rtlCol="0">
+            <a:spAutoFit/>
+          </a:bodyPr>
+          <a:lstStyle>
+            <a:defPPr>
+              <a:defRPr lang="ko-KR"/>
+            </a:defPPr>
+            <a:lvl1pPr marL="0" algn="l" defTabSz="914400" rtl="0" eaLnBrk="1" latinLnBrk="1" hangingPunct="1">
+              <a:defRPr sz="1800" kern="1200">
+                <a:solidFill>
+                  <a:schemeClr val="tx1"/>
+                </a:solidFill>
+                <a:latin typeface="+mn-lt"/>
+                <a:ea typeface="+mn-ea"/>
+                <a:cs typeface="+mn-cs"/>
+              </a:defRPr>
+            </a:lvl1pPr>
+            <a:lvl2pPr marL="457200" algn="l" defTabSz="914400" rtl="0" eaLnBrk="1" latinLnBrk="1" hangingPunct="1">
+              <a:defRPr sz="1800" kern="1200">
+                <a:solidFill>
+                  <a:schemeClr val="tx1"/>
+                </a:solidFill>
+                <a:latin typeface="+mn-lt"/>
+                <a:ea typeface="+mn-ea"/>
+                <a:cs typeface="+mn-cs"/>
+              </a:defRPr>
+            </a:lvl2pPr>
+            <a:lvl3pPr marL="914400" algn="l" defTabSz="914400" rtl="0" eaLnBrk="1" latinLnBrk="1" hangingPunct="1">
+              <a:defRPr sz="1800" kern="1200">
+                <a:solidFill>
+                  <a:schemeClr val="tx1"/>
+                </a:solidFill>
+                <a:latin typeface="+mn-lt"/>
+                <a:ea typeface="+mn-ea"/>
+                <a:cs typeface="+mn-cs"/>
+              </a:defRPr>
+            </a:lvl3pPr>
+            <a:lvl4pPr marL="1371600" algn="l" defTabSz="914400" rtl="0" eaLnBrk="1" latinLnBrk="1" hangingPunct="1">
+              <a:defRPr sz="1800" kern="1200">
+                <a:solidFill>
+                  <a:schemeClr val="tx1"/>
+                </a:solidFill>
+                <a:latin typeface="+mn-lt"/>
+                <a:ea typeface="+mn-ea"/>
+                <a:cs typeface="+mn-cs"/>
+              </a:defRPr>
+            </a:lvl4pPr>
+            <a:lvl5pPr marL="1828800" algn="l" defTabSz="914400" rtl="0" eaLnBrk="1" latinLnBrk="1" hangingPunct="1">
+              <a:defRPr sz="1800" kern="1200">
+                <a:solidFill>
+                  <a:schemeClr val="tx1"/>
+                </a:solidFill>
+                <a:latin typeface="+mn-lt"/>
+                <a:ea typeface="+mn-ea"/>
+                <a:cs typeface="+mn-cs"/>
+              </a:defRPr>
+            </a:lvl5pPr>
+            <a:lvl6pPr marL="2286000" algn="l" defTabSz="914400" rtl="0" eaLnBrk="1" latinLnBrk="1" hangingPunct="1">
+              <a:defRPr sz="1800" kern="1200">
+                <a:solidFill>
+                  <a:schemeClr val="tx1"/>
+                </a:solidFill>
+                <a:latin typeface="+mn-lt"/>
+                <a:ea typeface="+mn-ea"/>
+                <a:cs typeface="+mn-cs"/>
+              </a:defRPr>
+            </a:lvl6pPr>
+            <a:lvl7pPr marL="2743200" algn="l" defTabSz="914400" rtl="0" eaLnBrk="1" latinLnBrk="1" hangingPunct="1">
+              <a:defRPr sz="1800" kern="1200">
+                <a:solidFill>
+                  <a:schemeClr val="tx1"/>
+                </a:solidFill>
+                <a:latin typeface="+mn-lt"/>
+                <a:ea typeface="+mn-ea"/>
+                <a:cs typeface="+mn-cs"/>
+              </a:defRPr>
+            </a:lvl7pPr>
+            <a:lvl8pPr marL="3200400" algn="l" defTabSz="914400" rtl="0" eaLnBrk="1" latinLnBrk="1" hangingPunct="1">
+              <a:defRPr sz="1800" kern="1200">
+                <a:solidFill>
+                  <a:schemeClr val="tx1"/>
+                </a:solidFill>
+                <a:latin typeface="+mn-lt"/>
+                <a:ea typeface="+mn-ea"/>
+                <a:cs typeface="+mn-cs"/>
+              </a:defRPr>
+            </a:lvl8pPr>
+            <a:lvl9pPr marL="3657600" algn="l" defTabSz="914400" rtl="0" eaLnBrk="1" latinLnBrk="1" hangingPunct="1">
+              <a:defRPr sz="1800" kern="1200">
+                <a:solidFill>
+                  <a:schemeClr val="tx1"/>
+                </a:solidFill>
+                <a:latin typeface="+mn-lt"/>
+                <a:ea typeface="+mn-ea"/>
+                <a:cs typeface="+mn-cs"/>
+              </a:defRPr>
+            </a:lvl9pPr>
+          </a:lstStyle>
+          <a:p>
+            <a:r>
+              <a:rPr lang="en-US" altLang="ko-KR" sz="1600" b="1" dirty="0"/>
+              <a:t>p193</a:t>
+            </a:r>
+            <a:endParaRPr lang="ko-KR" altLang="en-US" sz="1600" b="1" dirty="0"/>
+          </a:p>
+        </p:txBody>
+      </p:sp>
     </p:spTree>
     <p:extLst>
       <p:ext uri="{BB962C8B-B14F-4D97-AF65-F5344CB8AC3E}">
@@ -17558,6 +19768,136 @@
           </a:fontRef>
         </p:style>
       </p:cxnSp>
+      <p:sp>
+        <p:nvSpPr>
+          <p:cNvPr id="13" name="TextBox 12">
+            <a:extLst>
+              <a:ext uri="{FF2B5EF4-FFF2-40B4-BE49-F238E27FC236}">
+                <a16:creationId xmlns:a16="http://schemas.microsoft.com/office/drawing/2014/main" id="{CF1E69A0-399A-4CC5-AD75-DD24DB314D38}"/>
+              </a:ext>
+            </a:extLst>
+          </p:cNvPr>
+          <p:cNvSpPr txBox="1"/>
+          <p:nvPr/>
+        </p:nvSpPr>
+        <p:spPr>
+          <a:xfrm>
+            <a:off x="10870509" y="240020"/>
+            <a:ext cx="668773" cy="338554"/>
+          </a:xfrm>
+          <a:prstGeom prst="rect">
+            <a:avLst/>
+          </a:prstGeom>
+          <a:noFill/>
+        </p:spPr>
+        <p:txBody>
+          <a:bodyPr wrap="none" rtlCol="0">
+            <a:spAutoFit/>
+          </a:bodyPr>
+          <a:lstStyle>
+            <a:defPPr>
+              <a:defRPr lang="ko-KR"/>
+            </a:defPPr>
+            <a:lvl1pPr marL="0" algn="l" defTabSz="914400" rtl="0" eaLnBrk="1" latinLnBrk="1" hangingPunct="1">
+              <a:defRPr sz="1800" kern="1200">
+                <a:solidFill>
+                  <a:schemeClr val="tx1"/>
+                </a:solidFill>
+                <a:latin typeface="+mn-lt"/>
+                <a:ea typeface="+mn-ea"/>
+                <a:cs typeface="+mn-cs"/>
+              </a:defRPr>
+            </a:lvl1pPr>
+            <a:lvl2pPr marL="457200" algn="l" defTabSz="914400" rtl="0" eaLnBrk="1" latinLnBrk="1" hangingPunct="1">
+              <a:defRPr sz="1800" kern="1200">
+                <a:solidFill>
+                  <a:schemeClr val="tx1"/>
+                </a:solidFill>
+                <a:latin typeface="+mn-lt"/>
+                <a:ea typeface="+mn-ea"/>
+                <a:cs typeface="+mn-cs"/>
+              </a:defRPr>
+            </a:lvl2pPr>
+            <a:lvl3pPr marL="914400" algn="l" defTabSz="914400" rtl="0" eaLnBrk="1" latinLnBrk="1" hangingPunct="1">
+              <a:defRPr sz="1800" kern="1200">
+                <a:solidFill>
+                  <a:schemeClr val="tx1"/>
+                </a:solidFill>
+                <a:latin typeface="+mn-lt"/>
+                <a:ea typeface="+mn-ea"/>
+                <a:cs typeface="+mn-cs"/>
+              </a:defRPr>
+            </a:lvl3pPr>
+            <a:lvl4pPr marL="1371600" algn="l" defTabSz="914400" rtl="0" eaLnBrk="1" latinLnBrk="1" hangingPunct="1">
+              <a:defRPr sz="1800" kern="1200">
+                <a:solidFill>
+                  <a:schemeClr val="tx1"/>
+                </a:solidFill>
+                <a:latin typeface="+mn-lt"/>
+                <a:ea typeface="+mn-ea"/>
+                <a:cs typeface="+mn-cs"/>
+              </a:defRPr>
+            </a:lvl4pPr>
+            <a:lvl5pPr marL="1828800" algn="l" defTabSz="914400" rtl="0" eaLnBrk="1" latinLnBrk="1" hangingPunct="1">
+              <a:defRPr sz="1800" kern="1200">
+                <a:solidFill>
+                  <a:schemeClr val="tx1"/>
+                </a:solidFill>
+                <a:latin typeface="+mn-lt"/>
+                <a:ea typeface="+mn-ea"/>
+                <a:cs typeface="+mn-cs"/>
+              </a:defRPr>
+            </a:lvl5pPr>
+            <a:lvl6pPr marL="2286000" algn="l" defTabSz="914400" rtl="0" eaLnBrk="1" latinLnBrk="1" hangingPunct="1">
+              <a:defRPr sz="1800" kern="1200">
+                <a:solidFill>
+                  <a:schemeClr val="tx1"/>
+                </a:solidFill>
+                <a:latin typeface="+mn-lt"/>
+                <a:ea typeface="+mn-ea"/>
+                <a:cs typeface="+mn-cs"/>
+              </a:defRPr>
+            </a:lvl6pPr>
+            <a:lvl7pPr marL="2743200" algn="l" defTabSz="914400" rtl="0" eaLnBrk="1" latinLnBrk="1" hangingPunct="1">
+              <a:defRPr sz="1800" kern="1200">
+                <a:solidFill>
+                  <a:schemeClr val="tx1"/>
+                </a:solidFill>
+                <a:latin typeface="+mn-lt"/>
+                <a:ea typeface="+mn-ea"/>
+                <a:cs typeface="+mn-cs"/>
+              </a:defRPr>
+            </a:lvl7pPr>
+            <a:lvl8pPr marL="3200400" algn="l" defTabSz="914400" rtl="0" eaLnBrk="1" latinLnBrk="1" hangingPunct="1">
+              <a:defRPr sz="1800" kern="1200">
+                <a:solidFill>
+                  <a:schemeClr val="tx1"/>
+                </a:solidFill>
+                <a:latin typeface="+mn-lt"/>
+                <a:ea typeface="+mn-ea"/>
+                <a:cs typeface="+mn-cs"/>
+              </a:defRPr>
+            </a:lvl8pPr>
+            <a:lvl9pPr marL="3657600" algn="l" defTabSz="914400" rtl="0" eaLnBrk="1" latinLnBrk="1" hangingPunct="1">
+              <a:defRPr sz="1800" kern="1200">
+                <a:solidFill>
+                  <a:schemeClr val="tx1"/>
+                </a:solidFill>
+                <a:latin typeface="+mn-lt"/>
+                <a:ea typeface="+mn-ea"/>
+                <a:cs typeface="+mn-cs"/>
+              </a:defRPr>
+            </a:lvl9pPr>
+          </a:lstStyle>
+          <a:p>
+            <a:r>
+              <a:rPr lang="en-US" altLang="ko-KR" sz="1600" b="1" dirty="0"/>
+              <a:t>p194</a:t>
+            </a:r>
+            <a:endParaRPr lang="ko-KR" altLang="en-US" sz="1600" b="1" dirty="0"/>
+          </a:p>
+        </p:txBody>
+      </p:sp>
     </p:spTree>
     <p:extLst>
       <p:ext uri="{BB962C8B-B14F-4D97-AF65-F5344CB8AC3E}">
@@ -19356,6 +21696,136 @@
           </a:prstGeom>
         </p:spPr>
       </p:pic>
+      <p:sp>
+        <p:nvSpPr>
+          <p:cNvPr id="8" name="TextBox 7">
+            <a:extLst>
+              <a:ext uri="{FF2B5EF4-FFF2-40B4-BE49-F238E27FC236}">
+                <a16:creationId xmlns:a16="http://schemas.microsoft.com/office/drawing/2014/main" id="{1AC26DFF-FAF6-4450-8376-087D6AE42C50}"/>
+              </a:ext>
+            </a:extLst>
+          </p:cNvPr>
+          <p:cNvSpPr txBox="1"/>
+          <p:nvPr/>
+        </p:nvSpPr>
+        <p:spPr>
+          <a:xfrm>
+            <a:off x="10870509" y="240020"/>
+            <a:ext cx="668773" cy="338554"/>
+          </a:xfrm>
+          <a:prstGeom prst="rect">
+            <a:avLst/>
+          </a:prstGeom>
+          <a:noFill/>
+        </p:spPr>
+        <p:txBody>
+          <a:bodyPr wrap="none" rtlCol="0">
+            <a:spAutoFit/>
+          </a:bodyPr>
+          <a:lstStyle>
+            <a:defPPr>
+              <a:defRPr lang="ko-KR"/>
+            </a:defPPr>
+            <a:lvl1pPr marL="0" algn="l" defTabSz="914400" rtl="0" eaLnBrk="1" latinLnBrk="1" hangingPunct="1">
+              <a:defRPr sz="1800" kern="1200">
+                <a:solidFill>
+                  <a:schemeClr val="tx1"/>
+                </a:solidFill>
+                <a:latin typeface="+mn-lt"/>
+                <a:ea typeface="+mn-ea"/>
+                <a:cs typeface="+mn-cs"/>
+              </a:defRPr>
+            </a:lvl1pPr>
+            <a:lvl2pPr marL="457200" algn="l" defTabSz="914400" rtl="0" eaLnBrk="1" latinLnBrk="1" hangingPunct="1">
+              <a:defRPr sz="1800" kern="1200">
+                <a:solidFill>
+                  <a:schemeClr val="tx1"/>
+                </a:solidFill>
+                <a:latin typeface="+mn-lt"/>
+                <a:ea typeface="+mn-ea"/>
+                <a:cs typeface="+mn-cs"/>
+              </a:defRPr>
+            </a:lvl2pPr>
+            <a:lvl3pPr marL="914400" algn="l" defTabSz="914400" rtl="0" eaLnBrk="1" latinLnBrk="1" hangingPunct="1">
+              <a:defRPr sz="1800" kern="1200">
+                <a:solidFill>
+                  <a:schemeClr val="tx1"/>
+                </a:solidFill>
+                <a:latin typeface="+mn-lt"/>
+                <a:ea typeface="+mn-ea"/>
+                <a:cs typeface="+mn-cs"/>
+              </a:defRPr>
+            </a:lvl3pPr>
+            <a:lvl4pPr marL="1371600" algn="l" defTabSz="914400" rtl="0" eaLnBrk="1" latinLnBrk="1" hangingPunct="1">
+              <a:defRPr sz="1800" kern="1200">
+                <a:solidFill>
+                  <a:schemeClr val="tx1"/>
+                </a:solidFill>
+                <a:latin typeface="+mn-lt"/>
+                <a:ea typeface="+mn-ea"/>
+                <a:cs typeface="+mn-cs"/>
+              </a:defRPr>
+            </a:lvl4pPr>
+            <a:lvl5pPr marL="1828800" algn="l" defTabSz="914400" rtl="0" eaLnBrk="1" latinLnBrk="1" hangingPunct="1">
+              <a:defRPr sz="1800" kern="1200">
+                <a:solidFill>
+                  <a:schemeClr val="tx1"/>
+                </a:solidFill>
+                <a:latin typeface="+mn-lt"/>
+                <a:ea typeface="+mn-ea"/>
+                <a:cs typeface="+mn-cs"/>
+              </a:defRPr>
+            </a:lvl5pPr>
+            <a:lvl6pPr marL="2286000" algn="l" defTabSz="914400" rtl="0" eaLnBrk="1" latinLnBrk="1" hangingPunct="1">
+              <a:defRPr sz="1800" kern="1200">
+                <a:solidFill>
+                  <a:schemeClr val="tx1"/>
+                </a:solidFill>
+                <a:latin typeface="+mn-lt"/>
+                <a:ea typeface="+mn-ea"/>
+                <a:cs typeface="+mn-cs"/>
+              </a:defRPr>
+            </a:lvl6pPr>
+            <a:lvl7pPr marL="2743200" algn="l" defTabSz="914400" rtl="0" eaLnBrk="1" latinLnBrk="1" hangingPunct="1">
+              <a:defRPr sz="1800" kern="1200">
+                <a:solidFill>
+                  <a:schemeClr val="tx1"/>
+                </a:solidFill>
+                <a:latin typeface="+mn-lt"/>
+                <a:ea typeface="+mn-ea"/>
+                <a:cs typeface="+mn-cs"/>
+              </a:defRPr>
+            </a:lvl7pPr>
+            <a:lvl8pPr marL="3200400" algn="l" defTabSz="914400" rtl="0" eaLnBrk="1" latinLnBrk="1" hangingPunct="1">
+              <a:defRPr sz="1800" kern="1200">
+                <a:solidFill>
+                  <a:schemeClr val="tx1"/>
+                </a:solidFill>
+                <a:latin typeface="+mn-lt"/>
+                <a:ea typeface="+mn-ea"/>
+                <a:cs typeface="+mn-cs"/>
+              </a:defRPr>
+            </a:lvl8pPr>
+            <a:lvl9pPr marL="3657600" algn="l" defTabSz="914400" rtl="0" eaLnBrk="1" latinLnBrk="1" hangingPunct="1">
+              <a:defRPr sz="1800" kern="1200">
+                <a:solidFill>
+                  <a:schemeClr val="tx1"/>
+                </a:solidFill>
+                <a:latin typeface="+mn-lt"/>
+                <a:ea typeface="+mn-ea"/>
+                <a:cs typeface="+mn-cs"/>
+              </a:defRPr>
+            </a:lvl9pPr>
+          </a:lstStyle>
+          <a:p>
+            <a:r>
+              <a:rPr lang="en-US" altLang="ko-KR" sz="1600" b="1" dirty="0"/>
+              <a:t>p195</a:t>
+            </a:r>
+            <a:endParaRPr lang="ko-KR" altLang="en-US" sz="1600" b="1" dirty="0"/>
+          </a:p>
+        </p:txBody>
+      </p:sp>
     </p:spTree>
     <p:extLst>
       <p:ext uri="{BB962C8B-B14F-4D97-AF65-F5344CB8AC3E}">
@@ -19585,6 +22055,136 @@
               <a:t>다음에 클래스 이름 지정</a:t>
             </a:r>
             <a:endParaRPr lang="ko-KR" altLang="en-US" sz="1400"/>
+          </a:p>
+        </p:txBody>
+      </p:sp>
+      <p:sp>
+        <p:nvSpPr>
+          <p:cNvPr id="7" name="TextBox 6">
+            <a:extLst>
+              <a:ext uri="{FF2B5EF4-FFF2-40B4-BE49-F238E27FC236}">
+                <a16:creationId xmlns:a16="http://schemas.microsoft.com/office/drawing/2014/main" id="{021EF574-AB31-41C8-B3E9-662F2B4FF4E6}"/>
+              </a:ext>
+            </a:extLst>
+          </p:cNvPr>
+          <p:cNvSpPr txBox="1"/>
+          <p:nvPr/>
+        </p:nvSpPr>
+        <p:spPr>
+          <a:xfrm>
+            <a:off x="10870509" y="240020"/>
+            <a:ext cx="668773" cy="338554"/>
+          </a:xfrm>
+          <a:prstGeom prst="rect">
+            <a:avLst/>
+          </a:prstGeom>
+          <a:noFill/>
+        </p:spPr>
+        <p:txBody>
+          <a:bodyPr wrap="none" rtlCol="0">
+            <a:spAutoFit/>
+          </a:bodyPr>
+          <a:lstStyle>
+            <a:defPPr>
+              <a:defRPr lang="ko-KR"/>
+            </a:defPPr>
+            <a:lvl1pPr marL="0" algn="l" defTabSz="914400" rtl="0" eaLnBrk="1" latinLnBrk="1" hangingPunct="1">
+              <a:defRPr sz="1800" kern="1200">
+                <a:solidFill>
+                  <a:schemeClr val="tx1"/>
+                </a:solidFill>
+                <a:latin typeface="+mn-lt"/>
+                <a:ea typeface="+mn-ea"/>
+                <a:cs typeface="+mn-cs"/>
+              </a:defRPr>
+            </a:lvl1pPr>
+            <a:lvl2pPr marL="457200" algn="l" defTabSz="914400" rtl="0" eaLnBrk="1" latinLnBrk="1" hangingPunct="1">
+              <a:defRPr sz="1800" kern="1200">
+                <a:solidFill>
+                  <a:schemeClr val="tx1"/>
+                </a:solidFill>
+                <a:latin typeface="+mn-lt"/>
+                <a:ea typeface="+mn-ea"/>
+                <a:cs typeface="+mn-cs"/>
+              </a:defRPr>
+            </a:lvl2pPr>
+            <a:lvl3pPr marL="914400" algn="l" defTabSz="914400" rtl="0" eaLnBrk="1" latinLnBrk="1" hangingPunct="1">
+              <a:defRPr sz="1800" kern="1200">
+                <a:solidFill>
+                  <a:schemeClr val="tx1"/>
+                </a:solidFill>
+                <a:latin typeface="+mn-lt"/>
+                <a:ea typeface="+mn-ea"/>
+                <a:cs typeface="+mn-cs"/>
+              </a:defRPr>
+            </a:lvl3pPr>
+            <a:lvl4pPr marL="1371600" algn="l" defTabSz="914400" rtl="0" eaLnBrk="1" latinLnBrk="1" hangingPunct="1">
+              <a:defRPr sz="1800" kern="1200">
+                <a:solidFill>
+                  <a:schemeClr val="tx1"/>
+                </a:solidFill>
+                <a:latin typeface="+mn-lt"/>
+                <a:ea typeface="+mn-ea"/>
+                <a:cs typeface="+mn-cs"/>
+              </a:defRPr>
+            </a:lvl4pPr>
+            <a:lvl5pPr marL="1828800" algn="l" defTabSz="914400" rtl="0" eaLnBrk="1" latinLnBrk="1" hangingPunct="1">
+              <a:defRPr sz="1800" kern="1200">
+                <a:solidFill>
+                  <a:schemeClr val="tx1"/>
+                </a:solidFill>
+                <a:latin typeface="+mn-lt"/>
+                <a:ea typeface="+mn-ea"/>
+                <a:cs typeface="+mn-cs"/>
+              </a:defRPr>
+            </a:lvl5pPr>
+            <a:lvl6pPr marL="2286000" algn="l" defTabSz="914400" rtl="0" eaLnBrk="1" latinLnBrk="1" hangingPunct="1">
+              <a:defRPr sz="1800" kern="1200">
+                <a:solidFill>
+                  <a:schemeClr val="tx1"/>
+                </a:solidFill>
+                <a:latin typeface="+mn-lt"/>
+                <a:ea typeface="+mn-ea"/>
+                <a:cs typeface="+mn-cs"/>
+              </a:defRPr>
+            </a:lvl6pPr>
+            <a:lvl7pPr marL="2743200" algn="l" defTabSz="914400" rtl="0" eaLnBrk="1" latinLnBrk="1" hangingPunct="1">
+              <a:defRPr sz="1800" kern="1200">
+                <a:solidFill>
+                  <a:schemeClr val="tx1"/>
+                </a:solidFill>
+                <a:latin typeface="+mn-lt"/>
+                <a:ea typeface="+mn-ea"/>
+                <a:cs typeface="+mn-cs"/>
+              </a:defRPr>
+            </a:lvl7pPr>
+            <a:lvl8pPr marL="3200400" algn="l" defTabSz="914400" rtl="0" eaLnBrk="1" latinLnBrk="1" hangingPunct="1">
+              <a:defRPr sz="1800" kern="1200">
+                <a:solidFill>
+                  <a:schemeClr val="tx1"/>
+                </a:solidFill>
+                <a:latin typeface="+mn-lt"/>
+                <a:ea typeface="+mn-ea"/>
+                <a:cs typeface="+mn-cs"/>
+              </a:defRPr>
+            </a:lvl8pPr>
+            <a:lvl9pPr marL="3657600" algn="l" defTabSz="914400" rtl="0" eaLnBrk="1" latinLnBrk="1" hangingPunct="1">
+              <a:defRPr sz="1800" kern="1200">
+                <a:solidFill>
+                  <a:schemeClr val="tx1"/>
+                </a:solidFill>
+                <a:latin typeface="+mn-lt"/>
+                <a:ea typeface="+mn-ea"/>
+                <a:cs typeface="+mn-cs"/>
+              </a:defRPr>
+            </a:lvl9pPr>
+          </a:lstStyle>
+          <a:p>
+            <a:r>
+              <a:rPr lang="en-US" altLang="ko-KR" sz="1600" b="1" dirty="0"/>
+              <a:t>p196</a:t>
+            </a:r>
+            <a:endParaRPr lang="ko-KR" altLang="en-US" sz="1600" b="1" dirty="0"/>
           </a:p>
         </p:txBody>
       </p:sp>
